--- a/JNI技术.pptx
+++ b/JNI技术.pptx
@@ -15,7 +15,17 @@
     <p:sldId id="261" r:id="rId9"/>
     <p:sldId id="264" r:id="rId10"/>
     <p:sldId id="263" r:id="rId11"/>
-    <p:sldId id="262" r:id="rId12"/>
+    <p:sldId id="271" r:id="rId12"/>
+    <p:sldId id="267" r:id="rId13"/>
+    <p:sldId id="268" r:id="rId14"/>
+    <p:sldId id="269" r:id="rId15"/>
+    <p:sldId id="270" r:id="rId16"/>
+    <p:sldId id="272" r:id="rId17"/>
+    <p:sldId id="273" r:id="rId18"/>
+    <p:sldId id="274" r:id="rId19"/>
+    <p:sldId id="275" r:id="rId20"/>
+    <p:sldId id="276" r:id="rId21"/>
+    <p:sldId id="262" r:id="rId22"/>
   </p:sldIdLst>
   <p:sldSz cx="9144000" cy="6858000" type="screen4x3"/>
   <p:notesSz cx="6858000" cy="9144000"/>
@@ -299,7 +309,7 @@
             <a:fld id="{530820CF-B880-4189-942D-D702A7CBA730}" type="datetimeFigureOut">
               <a:rPr lang="zh-CN" altLang="en-US" smtClean="0"/>
               <a:pPr/>
-              <a:t>2012/12/13</a:t>
+              <a:t>2012/12/29</a:t>
             </a:fld>
             <a:endParaRPr lang="zh-CN" altLang="en-US"/>
           </a:p>
@@ -466,7 +476,7 @@
             <a:fld id="{530820CF-B880-4189-942D-D702A7CBA730}" type="datetimeFigureOut">
               <a:rPr lang="zh-CN" altLang="en-US" smtClean="0"/>
               <a:pPr/>
-              <a:t>2012/12/13</a:t>
+              <a:t>2012/12/29</a:t>
             </a:fld>
             <a:endParaRPr lang="zh-CN" altLang="en-US"/>
           </a:p>
@@ -643,7 +653,7 @@
             <a:fld id="{530820CF-B880-4189-942D-D702A7CBA730}" type="datetimeFigureOut">
               <a:rPr lang="zh-CN" altLang="en-US" smtClean="0"/>
               <a:pPr/>
-              <a:t>2012/12/13</a:t>
+              <a:t>2012/12/29</a:t>
             </a:fld>
             <a:endParaRPr lang="zh-CN" altLang="en-US"/>
           </a:p>
@@ -810,7 +820,7 @@
             <a:fld id="{530820CF-B880-4189-942D-D702A7CBA730}" type="datetimeFigureOut">
               <a:rPr lang="zh-CN" altLang="en-US" smtClean="0"/>
               <a:pPr/>
-              <a:t>2012/12/13</a:t>
+              <a:t>2012/12/29</a:t>
             </a:fld>
             <a:endParaRPr lang="zh-CN" altLang="en-US"/>
           </a:p>
@@ -1053,7 +1063,7 @@
             <a:fld id="{530820CF-B880-4189-942D-D702A7CBA730}" type="datetimeFigureOut">
               <a:rPr lang="zh-CN" altLang="en-US" smtClean="0"/>
               <a:pPr/>
-              <a:t>2012/12/13</a:t>
+              <a:t>2012/12/29</a:t>
             </a:fld>
             <a:endParaRPr lang="zh-CN" altLang="en-US"/>
           </a:p>
@@ -1338,7 +1348,7 @@
             <a:fld id="{530820CF-B880-4189-942D-D702A7CBA730}" type="datetimeFigureOut">
               <a:rPr lang="zh-CN" altLang="en-US" smtClean="0"/>
               <a:pPr/>
-              <a:t>2012/12/13</a:t>
+              <a:t>2012/12/29</a:t>
             </a:fld>
             <a:endParaRPr lang="zh-CN" altLang="en-US"/>
           </a:p>
@@ -1757,7 +1767,7 @@
             <a:fld id="{530820CF-B880-4189-942D-D702A7CBA730}" type="datetimeFigureOut">
               <a:rPr lang="zh-CN" altLang="en-US" smtClean="0"/>
               <a:pPr/>
-              <a:t>2012/12/13</a:t>
+              <a:t>2012/12/29</a:t>
             </a:fld>
             <a:endParaRPr lang="zh-CN" altLang="en-US"/>
           </a:p>
@@ -1872,7 +1882,7 @@
             <a:fld id="{530820CF-B880-4189-942D-D702A7CBA730}" type="datetimeFigureOut">
               <a:rPr lang="zh-CN" altLang="en-US" smtClean="0"/>
               <a:pPr/>
-              <a:t>2012/12/13</a:t>
+              <a:t>2012/12/29</a:t>
             </a:fld>
             <a:endParaRPr lang="zh-CN" altLang="en-US"/>
           </a:p>
@@ -1964,7 +1974,7 @@
             <a:fld id="{530820CF-B880-4189-942D-D702A7CBA730}" type="datetimeFigureOut">
               <a:rPr lang="zh-CN" altLang="en-US" smtClean="0"/>
               <a:pPr/>
-              <a:t>2012/12/13</a:t>
+              <a:t>2012/12/29</a:t>
             </a:fld>
             <a:endParaRPr lang="zh-CN" altLang="en-US"/>
           </a:p>
@@ -2238,7 +2248,7 @@
             <a:fld id="{530820CF-B880-4189-942D-D702A7CBA730}" type="datetimeFigureOut">
               <a:rPr lang="zh-CN" altLang="en-US" smtClean="0"/>
               <a:pPr/>
-              <a:t>2012/12/13</a:t>
+              <a:t>2012/12/29</a:t>
             </a:fld>
             <a:endParaRPr lang="zh-CN" altLang="en-US"/>
           </a:p>
@@ -2488,7 +2498,7 @@
             <a:fld id="{530820CF-B880-4189-942D-D702A7CBA730}" type="datetimeFigureOut">
               <a:rPr lang="zh-CN" altLang="en-US" smtClean="0"/>
               <a:pPr/>
-              <a:t>2012/12/13</a:t>
+              <a:t>2012/12/29</a:t>
             </a:fld>
             <a:endParaRPr lang="zh-CN" altLang="en-US"/>
           </a:p>
@@ -2703,7 +2713,7 @@
             <a:fld id="{530820CF-B880-4189-942D-D702A7CBA730}" type="datetimeFigureOut">
               <a:rPr lang="zh-CN" altLang="en-US" smtClean="0"/>
               <a:pPr/>
-              <a:t>2012/12/13</a:t>
+              <a:t>2012/12/29</a:t>
             </a:fld>
             <a:endParaRPr lang="zh-CN" altLang="en-US"/>
           </a:p>
@@ -3261,12 +3271,12 @@
       </p:grpSpPr>
       <p:sp>
         <p:nvSpPr>
-          <p:cNvPr id="4" name="标题 3"/>
-          <p:cNvSpPr>
-            <a:spLocks noGrp="1"/>
-          </p:cNvSpPr>
-          <p:nvPr>
-            <p:ph type="ctrTitle"/>
+          <p:cNvPr id="2" name="标题 1"/>
+          <p:cNvSpPr>
+            <a:spLocks noGrp="1"/>
+          </p:cNvSpPr>
+          <p:nvPr>
+            <p:ph type="title"/>
           </p:nvPr>
         </p:nvSpPr>
         <p:spPr/>
@@ -3276,43 +3286,797 @@
           <a:p>
             <a:r>
               <a:rPr lang="en-US" altLang="zh-CN" dirty="0" smtClean="0"/>
-              <a:t>Thanks</a:t>
+              <a:t>JNI</a:t>
+            </a:r>
+            <a:r>
+              <a:rPr lang="zh-CN" altLang="en-US" dirty="0" smtClean="0"/>
+              <a:t>数据类型</a:t>
             </a:r>
             <a:endParaRPr lang="zh-CN" altLang="en-US" dirty="0"/>
           </a:p>
         </p:txBody>
       </p:sp>
-      <p:sp>
-        <p:nvSpPr>
-          <p:cNvPr id="5" name="副标题 4"/>
-          <p:cNvSpPr>
-            <a:spLocks noGrp="1"/>
-          </p:cNvSpPr>
-          <p:nvPr>
-            <p:ph type="subTitle" idx="1"/>
-          </p:nvPr>
-        </p:nvSpPr>
-        <p:spPr/>
-        <p:txBody>
-          <a:bodyPr/>
-          <a:lstStyle/>
-          <a:p>
-            <a:endParaRPr lang="zh-CN" altLang="en-US"/>
-          </a:p>
-        </p:txBody>
-      </p:sp>
+      <p:pic>
+        <p:nvPicPr>
+          <p:cNvPr id="4" name="内容占位符 3" descr="jni_data.PNG"/>
+          <p:cNvPicPr>
+            <a:picLocks noGrp="1" noChangeAspect="1"/>
+          </p:cNvPicPr>
+          <p:nvPr>
+            <p:ph idx="1"/>
+          </p:nvPr>
+        </p:nvPicPr>
+        <p:blipFill>
+          <a:blip r:embed="rId2"/>
+          <a:stretch>
+            <a:fillRect/>
+          </a:stretch>
+        </p:blipFill>
+        <p:spPr>
+          <a:xfrm>
+            <a:off x="457200" y="2281997"/>
+            <a:ext cx="8229600" cy="3162369"/>
+          </a:xfrm>
+        </p:spPr>
+      </p:pic>
     </p:spTree>
   </p:cSld>
   <p:clrMapOvr>
     <a:masterClrMapping/>
   </p:clrMapOvr>
-  <p:timing>
-    <p:tnLst>
-      <p:par>
-        <p:cTn id="1" dur="indefinite" restart="never" nodeType="tmRoot"/>
-      </p:par>
-    </p:tnLst>
-  </p:timing>
+</p:sld>
+</file>
+
+<file path=ppt/slides/slide12.xml><?xml version="1.0" encoding="utf-8"?>
+<p:sld xmlns:a="http://schemas.openxmlformats.org/drawingml/2006/main" xmlns:r="http://schemas.openxmlformats.org/officeDocument/2006/relationships" xmlns:p="http://schemas.openxmlformats.org/presentationml/2006/main">
+  <p:cSld>
+    <p:spTree>
+      <p:nvGrpSpPr>
+        <p:cNvPr id="1" name=""/>
+        <p:cNvGrpSpPr/>
+        <p:nvPr/>
+      </p:nvGrpSpPr>
+      <p:grpSpPr>
+        <a:xfrm>
+          <a:off x="0" y="0"/>
+          <a:ext cx="0" cy="0"/>
+          <a:chOff x="0" y="0"/>
+          <a:chExt cx="0" cy="0"/>
+        </a:xfrm>
+      </p:grpSpPr>
+      <p:sp>
+        <p:nvSpPr>
+          <p:cNvPr id="2" name="标题 1"/>
+          <p:cNvSpPr>
+            <a:spLocks noGrp="1"/>
+          </p:cNvSpPr>
+          <p:nvPr>
+            <p:ph type="title"/>
+          </p:nvPr>
+        </p:nvSpPr>
+        <p:spPr/>
+        <p:txBody>
+          <a:bodyPr/>
+          <a:lstStyle/>
+          <a:p>
+            <a:r>
+              <a:rPr lang="zh-CN" altLang="en-US" dirty="0" smtClean="0"/>
+              <a:t>数值参数与返回值</a:t>
+            </a:r>
+            <a:endParaRPr lang="zh-CN" altLang="en-US" dirty="0"/>
+          </a:p>
+        </p:txBody>
+      </p:sp>
+      <p:pic>
+        <p:nvPicPr>
+          <p:cNvPr id="4" name="内容占位符 3" descr="Printf1.java.PNG"/>
+          <p:cNvPicPr>
+            <a:picLocks noGrp="1" noChangeAspect="1"/>
+          </p:cNvPicPr>
+          <p:nvPr>
+            <p:ph idx="1"/>
+          </p:nvPr>
+        </p:nvPicPr>
+        <p:blipFill>
+          <a:blip r:embed="rId2"/>
+          <a:stretch>
+            <a:fillRect/>
+          </a:stretch>
+        </p:blipFill>
+        <p:spPr>
+          <a:xfrm>
+            <a:off x="1626614" y="2201877"/>
+            <a:ext cx="5890771" cy="3322608"/>
+          </a:xfrm>
+        </p:spPr>
+      </p:pic>
+    </p:spTree>
+  </p:cSld>
+  <p:clrMapOvr>
+    <a:masterClrMapping/>
+  </p:clrMapOvr>
+</p:sld>
+</file>
+
+<file path=ppt/slides/slide13.xml><?xml version="1.0" encoding="utf-8"?>
+<p:sld xmlns:a="http://schemas.openxmlformats.org/drawingml/2006/main" xmlns:r="http://schemas.openxmlformats.org/officeDocument/2006/relationships" xmlns:p="http://schemas.openxmlformats.org/presentationml/2006/main">
+  <p:cSld>
+    <p:spTree>
+      <p:nvGrpSpPr>
+        <p:cNvPr id="1" name=""/>
+        <p:cNvGrpSpPr/>
+        <p:nvPr/>
+      </p:nvGrpSpPr>
+      <p:grpSpPr>
+        <a:xfrm>
+          <a:off x="0" y="0"/>
+          <a:ext cx="0" cy="0"/>
+          <a:chOff x="0" y="0"/>
+          <a:chExt cx="0" cy="0"/>
+        </a:xfrm>
+      </p:grpSpPr>
+      <p:sp>
+        <p:nvSpPr>
+          <p:cNvPr id="2" name="标题 1"/>
+          <p:cNvSpPr>
+            <a:spLocks noGrp="1"/>
+          </p:cNvSpPr>
+          <p:nvPr>
+            <p:ph type="title"/>
+          </p:nvPr>
+        </p:nvSpPr>
+        <p:spPr/>
+        <p:txBody>
+          <a:bodyPr/>
+          <a:lstStyle/>
+          <a:p>
+            <a:r>
+              <a:rPr lang="zh-CN" altLang="en-US" dirty="0" smtClean="0"/>
+              <a:t>数值参数与返回值</a:t>
+            </a:r>
+            <a:endParaRPr lang="zh-CN" altLang="en-US" dirty="0"/>
+          </a:p>
+        </p:txBody>
+      </p:sp>
+      <p:pic>
+        <p:nvPicPr>
+          <p:cNvPr id="4" name="内容占位符 3" descr="Prinf1_C_实现.PNG"/>
+          <p:cNvPicPr>
+            <a:picLocks noGrp="1" noChangeAspect="1"/>
+          </p:cNvPicPr>
+          <p:nvPr>
+            <p:ph idx="1"/>
+          </p:nvPr>
+        </p:nvPicPr>
+        <p:blipFill>
+          <a:blip r:embed="rId2"/>
+          <a:stretch>
+            <a:fillRect/>
+          </a:stretch>
+        </p:blipFill>
+        <p:spPr>
+          <a:xfrm>
+            <a:off x="571472" y="1285860"/>
+            <a:ext cx="7978832" cy="2400508"/>
+          </a:xfrm>
+        </p:spPr>
+      </p:pic>
+      <p:pic>
+        <p:nvPicPr>
+          <p:cNvPr id="5" name="图片 4" descr="Printf1输出结果.PNG"/>
+          <p:cNvPicPr>
+            <a:picLocks noChangeAspect="1"/>
+          </p:cNvPicPr>
+          <p:nvPr/>
+        </p:nvPicPr>
+        <p:blipFill>
+          <a:blip r:embed="rId3"/>
+          <a:stretch>
+            <a:fillRect/>
+          </a:stretch>
+        </p:blipFill>
+        <p:spPr>
+          <a:xfrm>
+            <a:off x="571472" y="4357694"/>
+            <a:ext cx="2339543" cy="861135"/>
+          </a:xfrm>
+          <a:prstGeom prst="rect">
+            <a:avLst/>
+          </a:prstGeom>
+        </p:spPr>
+      </p:pic>
+    </p:spTree>
+  </p:cSld>
+  <p:clrMapOvr>
+    <a:masterClrMapping/>
+  </p:clrMapOvr>
+</p:sld>
+</file>
+
+<file path=ppt/slides/slide14.xml><?xml version="1.0" encoding="utf-8"?>
+<p:sld xmlns:a="http://schemas.openxmlformats.org/drawingml/2006/main" xmlns:r="http://schemas.openxmlformats.org/officeDocument/2006/relationships" xmlns:p="http://schemas.openxmlformats.org/presentationml/2006/main">
+  <p:cSld>
+    <p:spTree>
+      <p:nvGrpSpPr>
+        <p:cNvPr id="1" name=""/>
+        <p:cNvGrpSpPr/>
+        <p:nvPr/>
+      </p:nvGrpSpPr>
+      <p:grpSpPr>
+        <a:xfrm>
+          <a:off x="0" y="0"/>
+          <a:ext cx="0" cy="0"/>
+          <a:chOff x="0" y="0"/>
+          <a:chExt cx="0" cy="0"/>
+        </a:xfrm>
+      </p:grpSpPr>
+      <p:sp>
+        <p:nvSpPr>
+          <p:cNvPr id="2" name="标题 1"/>
+          <p:cNvSpPr>
+            <a:spLocks noGrp="1"/>
+          </p:cNvSpPr>
+          <p:nvPr>
+            <p:ph type="title"/>
+          </p:nvPr>
+        </p:nvSpPr>
+        <p:spPr/>
+        <p:txBody>
+          <a:bodyPr/>
+          <a:lstStyle/>
+          <a:p>
+            <a:r>
+              <a:rPr lang="zh-CN" altLang="en-US" dirty="0" smtClean="0"/>
+              <a:t>字符串参数</a:t>
+            </a:r>
+            <a:endParaRPr lang="zh-CN" altLang="en-US" dirty="0"/>
+          </a:p>
+        </p:txBody>
+      </p:sp>
+      <p:pic>
+        <p:nvPicPr>
+          <p:cNvPr id="4" name="内容占位符 3" descr="GetGreeting.java.PNG"/>
+          <p:cNvPicPr>
+            <a:picLocks noGrp="1" noChangeAspect="1"/>
+          </p:cNvPicPr>
+          <p:nvPr>
+            <p:ph idx="1"/>
+          </p:nvPr>
+        </p:nvPicPr>
+        <p:blipFill>
+          <a:blip r:embed="rId2"/>
+          <a:stretch>
+            <a:fillRect/>
+          </a:stretch>
+        </p:blipFill>
+        <p:spPr>
+          <a:xfrm>
+            <a:off x="2000232" y="1714488"/>
+            <a:ext cx="4153260" cy="2552921"/>
+          </a:xfrm>
+        </p:spPr>
+      </p:pic>
+    </p:spTree>
+  </p:cSld>
+  <p:clrMapOvr>
+    <a:masterClrMapping/>
+  </p:clrMapOvr>
+</p:sld>
+</file>
+
+<file path=ppt/slides/slide15.xml><?xml version="1.0" encoding="utf-8"?>
+<p:sld xmlns:a="http://schemas.openxmlformats.org/drawingml/2006/main" xmlns:r="http://schemas.openxmlformats.org/officeDocument/2006/relationships" xmlns:p="http://schemas.openxmlformats.org/presentationml/2006/main">
+  <p:cSld>
+    <p:spTree>
+      <p:nvGrpSpPr>
+        <p:cNvPr id="1" name=""/>
+        <p:cNvGrpSpPr/>
+        <p:nvPr/>
+      </p:nvGrpSpPr>
+      <p:grpSpPr>
+        <a:xfrm>
+          <a:off x="0" y="0"/>
+          <a:ext cx="0" cy="0"/>
+          <a:chOff x="0" y="0"/>
+          <a:chExt cx="0" cy="0"/>
+        </a:xfrm>
+      </p:grpSpPr>
+      <p:sp>
+        <p:nvSpPr>
+          <p:cNvPr id="2" name="标题 1"/>
+          <p:cNvSpPr>
+            <a:spLocks noGrp="1"/>
+          </p:cNvSpPr>
+          <p:nvPr>
+            <p:ph type="title"/>
+          </p:nvPr>
+        </p:nvSpPr>
+        <p:spPr/>
+        <p:txBody>
+          <a:bodyPr/>
+          <a:lstStyle/>
+          <a:p>
+            <a:r>
+              <a:rPr lang="zh-CN" altLang="en-US" dirty="0" smtClean="0"/>
+              <a:t>字符串参数</a:t>
+            </a:r>
+            <a:endParaRPr lang="zh-CN" altLang="en-US" dirty="0"/>
+          </a:p>
+        </p:txBody>
+      </p:sp>
+      <p:pic>
+        <p:nvPicPr>
+          <p:cNvPr id="4" name="内容占位符 3" descr="GetGreeting_C_Implement_File.PNG"/>
+          <p:cNvPicPr>
+            <a:picLocks noGrp="1" noChangeAspect="1"/>
+          </p:cNvPicPr>
+          <p:nvPr>
+            <p:ph idx="1"/>
+          </p:nvPr>
+        </p:nvPicPr>
+        <p:blipFill>
+          <a:blip r:embed="rId2"/>
+          <a:stretch>
+            <a:fillRect/>
+          </a:stretch>
+        </p:blipFill>
+        <p:spPr>
+          <a:xfrm>
+            <a:off x="1285852" y="1643050"/>
+            <a:ext cx="6569010" cy="2141406"/>
+          </a:xfrm>
+        </p:spPr>
+      </p:pic>
+      <p:pic>
+        <p:nvPicPr>
+          <p:cNvPr id="7" name="图片 6" descr="GetGreeting_输出结果.PNG"/>
+          <p:cNvPicPr>
+            <a:picLocks noChangeAspect="1"/>
+          </p:cNvPicPr>
+          <p:nvPr/>
+        </p:nvPicPr>
+        <p:blipFill>
+          <a:blip r:embed="rId3"/>
+          <a:stretch>
+            <a:fillRect/>
+          </a:stretch>
+        </p:blipFill>
+        <p:spPr>
+          <a:xfrm>
+            <a:off x="1285852" y="4286256"/>
+            <a:ext cx="2728197" cy="510584"/>
+          </a:xfrm>
+          <a:prstGeom prst="rect">
+            <a:avLst/>
+          </a:prstGeom>
+        </p:spPr>
+      </p:pic>
+    </p:spTree>
+  </p:cSld>
+  <p:clrMapOvr>
+    <a:masterClrMapping/>
+  </p:clrMapOvr>
+</p:sld>
+</file>
+
+<file path=ppt/slides/slide16.xml><?xml version="1.0" encoding="utf-8"?>
+<p:sld xmlns:a="http://schemas.openxmlformats.org/drawingml/2006/main" xmlns:r="http://schemas.openxmlformats.org/officeDocument/2006/relationships" xmlns:p="http://schemas.openxmlformats.org/presentationml/2006/main">
+  <p:cSld>
+    <p:spTree>
+      <p:nvGrpSpPr>
+        <p:cNvPr id="1" name=""/>
+        <p:cNvGrpSpPr/>
+        <p:nvPr/>
+      </p:nvGrpSpPr>
+      <p:grpSpPr>
+        <a:xfrm>
+          <a:off x="0" y="0"/>
+          <a:ext cx="0" cy="0"/>
+          <a:chOff x="0" y="0"/>
+          <a:chExt cx="0" cy="0"/>
+        </a:xfrm>
+      </p:grpSpPr>
+      <p:sp>
+        <p:nvSpPr>
+          <p:cNvPr id="2" name="标题 1"/>
+          <p:cNvSpPr>
+            <a:spLocks noGrp="1"/>
+          </p:cNvSpPr>
+          <p:nvPr>
+            <p:ph type="title"/>
+          </p:nvPr>
+        </p:nvSpPr>
+        <p:spPr/>
+        <p:txBody>
+          <a:bodyPr/>
+          <a:lstStyle/>
+          <a:p>
+            <a:r>
+              <a:rPr lang="zh-CN" altLang="en-US" dirty="0" smtClean="0"/>
+              <a:t>字符串参数</a:t>
+            </a:r>
+            <a:endParaRPr lang="zh-CN" altLang="en-US" dirty="0"/>
+          </a:p>
+        </p:txBody>
+      </p:sp>
+      <p:sp>
+        <p:nvSpPr>
+          <p:cNvPr id="3" name="内容占位符 2"/>
+          <p:cNvSpPr>
+            <a:spLocks noGrp="1"/>
+          </p:cNvSpPr>
+          <p:nvPr>
+            <p:ph idx="1"/>
+          </p:nvPr>
+        </p:nvSpPr>
+        <p:spPr/>
+        <p:txBody>
+          <a:bodyPr/>
+          <a:lstStyle/>
+          <a:p>
+            <a:r>
+              <a:rPr lang="en-US" altLang="zh-CN" dirty="0" err="1" smtClean="0"/>
+              <a:t>e</a:t>
+            </a:r>
+            <a:r>
+              <a:rPr lang="en-US" altLang="zh-CN" dirty="0" err="1" smtClean="0"/>
+              <a:t>nv</a:t>
+            </a:r>
+            <a:r>
+              <a:rPr lang="en-US" altLang="zh-CN" dirty="0" smtClean="0"/>
+              <a:t>-&gt;</a:t>
+            </a:r>
+            <a:r>
+              <a:rPr lang="en-US" altLang="zh-CN" dirty="0" err="1" smtClean="0"/>
+              <a:t>NewStringUTF</a:t>
+            </a:r>
+            <a:r>
+              <a:rPr lang="en-US" altLang="zh-CN" dirty="0" smtClean="0"/>
+              <a:t>()</a:t>
+            </a:r>
+          </a:p>
+          <a:p>
+            <a:r>
+              <a:rPr lang="en-US" altLang="zh-CN" dirty="0" err="1" smtClean="0"/>
+              <a:t>e</a:t>
+            </a:r>
+            <a:r>
+              <a:rPr lang="en-US" altLang="zh-CN" dirty="0" err="1" smtClean="0"/>
+              <a:t>nv</a:t>
+            </a:r>
+            <a:r>
+              <a:rPr lang="en-US" altLang="zh-CN" dirty="0" smtClean="0"/>
+              <a:t>-&gt;</a:t>
+            </a:r>
+            <a:r>
+              <a:rPr lang="en-US" altLang="zh-CN" dirty="0" err="1" smtClean="0"/>
+              <a:t>ReleaseStringUTFChars</a:t>
+            </a:r>
+            <a:r>
+              <a:rPr lang="en-US" altLang="zh-CN" dirty="0" smtClean="0"/>
+              <a:t>()</a:t>
+            </a:r>
+            <a:endParaRPr lang="en-US" altLang="zh-CN" dirty="0" smtClean="0"/>
+          </a:p>
+          <a:p>
+            <a:endParaRPr lang="zh-CN" altLang="en-US" dirty="0"/>
+          </a:p>
+        </p:txBody>
+      </p:sp>
+    </p:spTree>
+  </p:cSld>
+  <p:clrMapOvr>
+    <a:masterClrMapping/>
+  </p:clrMapOvr>
+</p:sld>
+</file>
+
+<file path=ppt/slides/slide17.xml><?xml version="1.0" encoding="utf-8"?>
+<p:sld xmlns:a="http://schemas.openxmlformats.org/drawingml/2006/main" xmlns:r="http://schemas.openxmlformats.org/officeDocument/2006/relationships" xmlns:p="http://schemas.openxmlformats.org/presentationml/2006/main">
+  <p:cSld>
+    <p:spTree>
+      <p:nvGrpSpPr>
+        <p:cNvPr id="1" name=""/>
+        <p:cNvGrpSpPr/>
+        <p:nvPr/>
+      </p:nvGrpSpPr>
+      <p:grpSpPr>
+        <a:xfrm>
+          <a:off x="0" y="0"/>
+          <a:ext cx="0" cy="0"/>
+          <a:chOff x="0" y="0"/>
+          <a:chExt cx="0" cy="0"/>
+        </a:xfrm>
+      </p:grpSpPr>
+      <p:sp>
+        <p:nvSpPr>
+          <p:cNvPr id="2" name="标题 1"/>
+          <p:cNvSpPr>
+            <a:spLocks noGrp="1"/>
+          </p:cNvSpPr>
+          <p:nvPr>
+            <p:ph type="title"/>
+          </p:nvPr>
+        </p:nvSpPr>
+        <p:spPr/>
+        <p:txBody>
+          <a:bodyPr/>
+          <a:lstStyle/>
+          <a:p>
+            <a:r>
+              <a:rPr lang="zh-CN" altLang="en-US" dirty="0" smtClean="0"/>
+              <a:t>编码签名</a:t>
+            </a:r>
+            <a:endParaRPr lang="zh-CN" altLang="en-US" dirty="0"/>
+          </a:p>
+        </p:txBody>
+      </p:sp>
+      <p:pic>
+        <p:nvPicPr>
+          <p:cNvPr id="1026" name="Picture 2"/>
+          <p:cNvPicPr>
+            <a:picLocks noGrp="1" noChangeAspect="1" noChangeArrowheads="1"/>
+          </p:cNvPicPr>
+          <p:nvPr>
+            <p:ph idx="1"/>
+          </p:nvPr>
+        </p:nvPicPr>
+        <p:blipFill>
+          <a:blip r:embed="rId2"/>
+          <a:srcRect/>
+          <a:stretch>
+            <a:fillRect/>
+          </a:stretch>
+        </p:blipFill>
+        <p:spPr bwMode="auto">
+          <a:xfrm>
+            <a:off x="1857356" y="1500174"/>
+            <a:ext cx="5960127" cy="4143404"/>
+          </a:xfrm>
+          <a:prstGeom prst="rect">
+            <a:avLst/>
+          </a:prstGeom>
+          <a:noFill/>
+          <a:ln w="9525">
+            <a:noFill/>
+            <a:miter lim="800000"/>
+            <a:headEnd/>
+            <a:tailEnd/>
+          </a:ln>
+          <a:effectLst/>
+        </p:spPr>
+      </p:pic>
+    </p:spTree>
+  </p:cSld>
+  <p:clrMapOvr>
+    <a:masterClrMapping/>
+  </p:clrMapOvr>
+</p:sld>
+</file>
+
+<file path=ppt/slides/slide18.xml><?xml version="1.0" encoding="utf-8"?>
+<p:sld xmlns:a="http://schemas.openxmlformats.org/drawingml/2006/main" xmlns:r="http://schemas.openxmlformats.org/officeDocument/2006/relationships" xmlns:p="http://schemas.openxmlformats.org/presentationml/2006/main">
+  <p:cSld>
+    <p:spTree>
+      <p:nvGrpSpPr>
+        <p:cNvPr id="1" name=""/>
+        <p:cNvGrpSpPr/>
+        <p:nvPr/>
+      </p:nvGrpSpPr>
+      <p:grpSpPr>
+        <a:xfrm>
+          <a:off x="0" y="0"/>
+          <a:ext cx="0" cy="0"/>
+          <a:chOff x="0" y="0"/>
+          <a:chExt cx="0" cy="0"/>
+        </a:xfrm>
+      </p:grpSpPr>
+      <p:sp>
+        <p:nvSpPr>
+          <p:cNvPr id="2" name="标题 1"/>
+          <p:cNvSpPr>
+            <a:spLocks noGrp="1"/>
+          </p:cNvSpPr>
+          <p:nvPr>
+            <p:ph type="title"/>
+          </p:nvPr>
+        </p:nvSpPr>
+        <p:spPr/>
+        <p:txBody>
+          <a:bodyPr/>
+          <a:lstStyle/>
+          <a:p>
+            <a:r>
+              <a:rPr lang="zh-CN" altLang="en-US" dirty="0" smtClean="0"/>
+              <a:t>编码签名</a:t>
+            </a:r>
+            <a:endParaRPr lang="zh-CN" altLang="en-US" dirty="0"/>
+          </a:p>
+        </p:txBody>
+      </p:sp>
+      <p:pic>
+        <p:nvPicPr>
+          <p:cNvPr id="2050" name="Picture 2"/>
+          <p:cNvPicPr>
+            <a:picLocks noGrp="1" noChangeAspect="1" noChangeArrowheads="1"/>
+          </p:cNvPicPr>
+          <p:nvPr>
+            <p:ph idx="1"/>
+          </p:nvPr>
+        </p:nvPicPr>
+        <p:blipFill>
+          <a:blip r:embed="rId2"/>
+          <a:srcRect/>
+          <a:stretch>
+            <a:fillRect/>
+          </a:stretch>
+        </p:blipFill>
+        <p:spPr bwMode="auto">
+          <a:xfrm>
+            <a:off x="928662" y="2571744"/>
+            <a:ext cx="7399232" cy="2500330"/>
+          </a:xfrm>
+          <a:prstGeom prst="rect">
+            <a:avLst/>
+          </a:prstGeom>
+          <a:noFill/>
+          <a:ln w="9525">
+            <a:noFill/>
+            <a:miter lim="800000"/>
+            <a:headEnd/>
+            <a:tailEnd/>
+          </a:ln>
+          <a:effectLst/>
+        </p:spPr>
+      </p:pic>
+      <p:sp>
+        <p:nvSpPr>
+          <p:cNvPr id="5" name="TextBox 4"/>
+          <p:cNvSpPr txBox="1"/>
+          <p:nvPr/>
+        </p:nvSpPr>
+        <p:spPr>
+          <a:xfrm>
+            <a:off x="928662" y="1857364"/>
+            <a:ext cx="1928826" cy="369332"/>
+          </a:xfrm>
+          <a:prstGeom prst="rect">
+            <a:avLst/>
+          </a:prstGeom>
+          <a:noFill/>
+        </p:spPr>
+        <p:txBody>
+          <a:bodyPr wrap="square" rtlCol="0">
+            <a:spAutoFit/>
+          </a:bodyPr>
+          <a:lstStyle/>
+          <a:p>
+            <a:r>
+              <a:rPr lang="zh-CN" altLang="en-US" dirty="0" smtClean="0"/>
+              <a:t>数组的表示</a:t>
+            </a:r>
+            <a:endParaRPr lang="zh-CN" altLang="en-US" dirty="0"/>
+          </a:p>
+        </p:txBody>
+      </p:sp>
+    </p:spTree>
+  </p:cSld>
+  <p:clrMapOvr>
+    <a:masterClrMapping/>
+  </p:clrMapOvr>
+</p:sld>
+</file>
+
+<file path=ppt/slides/slide19.xml><?xml version="1.0" encoding="utf-8"?>
+<p:sld xmlns:a="http://schemas.openxmlformats.org/drawingml/2006/main" xmlns:r="http://schemas.openxmlformats.org/officeDocument/2006/relationships" xmlns:p="http://schemas.openxmlformats.org/presentationml/2006/main">
+  <p:cSld>
+    <p:spTree>
+      <p:nvGrpSpPr>
+        <p:cNvPr id="1" name=""/>
+        <p:cNvGrpSpPr/>
+        <p:nvPr/>
+      </p:nvGrpSpPr>
+      <p:grpSpPr>
+        <a:xfrm>
+          <a:off x="0" y="0"/>
+          <a:ext cx="0" cy="0"/>
+          <a:chOff x="0" y="0"/>
+          <a:chExt cx="0" cy="0"/>
+        </a:xfrm>
+      </p:grpSpPr>
+      <p:sp>
+        <p:nvSpPr>
+          <p:cNvPr id="2" name="标题 1"/>
+          <p:cNvSpPr>
+            <a:spLocks noGrp="1"/>
+          </p:cNvSpPr>
+          <p:nvPr>
+            <p:ph type="title"/>
+          </p:nvPr>
+        </p:nvSpPr>
+        <p:spPr/>
+        <p:txBody>
+          <a:bodyPr/>
+          <a:lstStyle/>
+          <a:p>
+            <a:r>
+              <a:rPr lang="zh-CN" altLang="en-US" dirty="0" smtClean="0"/>
+              <a:t>编码签名</a:t>
+            </a:r>
+            <a:endParaRPr lang="zh-CN" altLang="en-US" dirty="0"/>
+          </a:p>
+        </p:txBody>
+      </p:sp>
+      <p:pic>
+        <p:nvPicPr>
+          <p:cNvPr id="3074" name="Picture 2"/>
+          <p:cNvPicPr>
+            <a:picLocks noGrp="1" noChangeAspect="1" noChangeArrowheads="1"/>
+          </p:cNvPicPr>
+          <p:nvPr>
+            <p:ph idx="1"/>
+          </p:nvPr>
+        </p:nvPicPr>
+        <p:blipFill>
+          <a:blip r:embed="rId2"/>
+          <a:srcRect/>
+          <a:stretch>
+            <a:fillRect/>
+          </a:stretch>
+        </p:blipFill>
+        <p:spPr bwMode="auto">
+          <a:xfrm>
+            <a:off x="1142976" y="1714488"/>
+            <a:ext cx="7050505" cy="4500594"/>
+          </a:xfrm>
+          <a:prstGeom prst="rect">
+            <a:avLst/>
+          </a:prstGeom>
+          <a:noFill/>
+          <a:ln w="9525">
+            <a:noFill/>
+            <a:miter lim="800000"/>
+            <a:headEnd/>
+            <a:tailEnd/>
+          </a:ln>
+          <a:effectLst/>
+        </p:spPr>
+      </p:pic>
+      <p:sp>
+        <p:nvSpPr>
+          <p:cNvPr id="5" name="TextBox 4"/>
+          <p:cNvSpPr txBox="1"/>
+          <p:nvPr/>
+        </p:nvSpPr>
+        <p:spPr>
+          <a:xfrm>
+            <a:off x="1071538" y="1214422"/>
+            <a:ext cx="3286148" cy="369332"/>
+          </a:xfrm>
+          <a:prstGeom prst="rect">
+            <a:avLst/>
+          </a:prstGeom>
+          <a:noFill/>
+        </p:spPr>
+        <p:txBody>
+          <a:bodyPr wrap="square" rtlCol="0">
+            <a:spAutoFit/>
+          </a:bodyPr>
+          <a:lstStyle/>
+          <a:p>
+            <a:r>
+              <a:rPr lang="zh-CN" altLang="en-US" dirty="0" smtClean="0"/>
+              <a:t>使用命令查看编码签名</a:t>
+            </a:r>
+            <a:endParaRPr lang="zh-CN" altLang="en-US" dirty="0"/>
+          </a:p>
+        </p:txBody>
+      </p:sp>
+    </p:spTree>
+  </p:cSld>
+  <p:clrMapOvr>
+    <a:masterClrMapping/>
+  </p:clrMapOvr>
 </p:sld>
 </file>
 
@@ -3419,6 +4183,205 @@
               <a:t>NDK</a:t>
             </a:r>
             <a:endParaRPr lang="zh-CN" altLang="en-US" dirty="0"/>
+          </a:p>
+        </p:txBody>
+      </p:sp>
+    </p:spTree>
+  </p:cSld>
+  <p:clrMapOvr>
+    <a:masterClrMapping/>
+  </p:clrMapOvr>
+  <p:timing>
+    <p:tnLst>
+      <p:par>
+        <p:cTn id="1" dur="indefinite" restart="never" nodeType="tmRoot"/>
+      </p:par>
+    </p:tnLst>
+  </p:timing>
+</p:sld>
+</file>
+
+<file path=ppt/slides/slide20.xml><?xml version="1.0" encoding="utf-8"?>
+<p:sld xmlns:a="http://schemas.openxmlformats.org/drawingml/2006/main" xmlns:r="http://schemas.openxmlformats.org/officeDocument/2006/relationships" xmlns:p="http://schemas.openxmlformats.org/presentationml/2006/main">
+  <p:cSld>
+    <p:spTree>
+      <p:nvGrpSpPr>
+        <p:cNvPr id="1" name=""/>
+        <p:cNvGrpSpPr/>
+        <p:nvPr/>
+      </p:nvGrpSpPr>
+      <p:grpSpPr>
+        <a:xfrm>
+          <a:off x="0" y="0"/>
+          <a:ext cx="0" cy="0"/>
+          <a:chOff x="0" y="0"/>
+          <a:chExt cx="0" cy="0"/>
+        </a:xfrm>
+      </p:grpSpPr>
+      <p:sp>
+        <p:nvSpPr>
+          <p:cNvPr id="2" name="标题 1"/>
+          <p:cNvSpPr>
+            <a:spLocks noGrp="1"/>
+          </p:cNvSpPr>
+          <p:nvPr>
+            <p:ph type="title"/>
+          </p:nvPr>
+        </p:nvSpPr>
+        <p:spPr/>
+        <p:txBody>
+          <a:bodyPr/>
+          <a:lstStyle/>
+          <a:p>
+            <a:r>
+              <a:rPr lang="zh-CN" altLang="en-US" dirty="0" smtClean="0"/>
+              <a:t>编码签名</a:t>
+            </a:r>
+            <a:endParaRPr lang="zh-CN" altLang="en-US" dirty="0"/>
+          </a:p>
+        </p:txBody>
+      </p:sp>
+      <p:pic>
+        <p:nvPicPr>
+          <p:cNvPr id="4099" name="Picture 3"/>
+          <p:cNvPicPr>
+            <a:picLocks noGrp="1" noChangeAspect="1" noChangeArrowheads="1"/>
+          </p:cNvPicPr>
+          <p:nvPr>
+            <p:ph idx="1"/>
+          </p:nvPr>
+        </p:nvPicPr>
+        <p:blipFill>
+          <a:blip r:embed="rId2"/>
+          <a:srcRect/>
+          <a:stretch>
+            <a:fillRect/>
+          </a:stretch>
+        </p:blipFill>
+        <p:spPr bwMode="auto">
+          <a:xfrm>
+            <a:off x="1142976" y="2000240"/>
+            <a:ext cx="7465471" cy="3357586"/>
+          </a:xfrm>
+          <a:prstGeom prst="rect">
+            <a:avLst/>
+          </a:prstGeom>
+          <a:noFill/>
+          <a:ln w="9525">
+            <a:noFill/>
+            <a:miter lim="800000"/>
+            <a:headEnd/>
+            <a:tailEnd/>
+          </a:ln>
+          <a:effectLst/>
+        </p:spPr>
+      </p:pic>
+      <p:sp>
+        <p:nvSpPr>
+          <p:cNvPr id="7" name="TextBox 6"/>
+          <p:cNvSpPr txBox="1"/>
+          <p:nvPr/>
+        </p:nvSpPr>
+        <p:spPr>
+          <a:xfrm>
+            <a:off x="1071538" y="1500174"/>
+            <a:ext cx="4071966" cy="369332"/>
+          </a:xfrm>
+          <a:prstGeom prst="rect">
+            <a:avLst/>
+          </a:prstGeom>
+          <a:noFill/>
+        </p:spPr>
+        <p:txBody>
+          <a:bodyPr wrap="square" rtlCol="0">
+            <a:spAutoFit/>
+          </a:bodyPr>
+          <a:lstStyle/>
+          <a:p>
+            <a:r>
+              <a:rPr lang="en-US" altLang="zh-CN" dirty="0" smtClean="0"/>
+              <a:t>L</a:t>
+            </a:r>
+            <a:r>
+              <a:rPr lang="zh-CN" altLang="en-US" dirty="0" smtClean="0"/>
+              <a:t>表达式中</a:t>
+            </a:r>
+            <a:r>
+              <a:rPr lang="en-US" altLang="zh-CN" dirty="0" smtClean="0"/>
+              <a:t>”;”</a:t>
+            </a:r>
+            <a:r>
+              <a:rPr lang="zh-CN" altLang="en-US" dirty="0" smtClean="0"/>
+              <a:t>的含义并不是分割作用</a:t>
+            </a:r>
+            <a:endParaRPr lang="zh-CN" altLang="en-US" dirty="0"/>
+          </a:p>
+        </p:txBody>
+      </p:sp>
+    </p:spTree>
+  </p:cSld>
+  <p:clrMapOvr>
+    <a:masterClrMapping/>
+  </p:clrMapOvr>
+</p:sld>
+</file>
+
+<file path=ppt/slides/slide21.xml><?xml version="1.0" encoding="utf-8"?>
+<p:sld xmlns:a="http://schemas.openxmlformats.org/drawingml/2006/main" xmlns:r="http://schemas.openxmlformats.org/officeDocument/2006/relationships" xmlns:p="http://schemas.openxmlformats.org/presentationml/2006/main">
+  <p:cSld>
+    <p:spTree>
+      <p:nvGrpSpPr>
+        <p:cNvPr id="1" name=""/>
+        <p:cNvGrpSpPr/>
+        <p:nvPr/>
+      </p:nvGrpSpPr>
+      <p:grpSpPr>
+        <a:xfrm>
+          <a:off x="0" y="0"/>
+          <a:ext cx="0" cy="0"/>
+          <a:chOff x="0" y="0"/>
+          <a:chExt cx="0" cy="0"/>
+        </a:xfrm>
+      </p:grpSpPr>
+      <p:sp>
+        <p:nvSpPr>
+          <p:cNvPr id="4" name="标题 3"/>
+          <p:cNvSpPr>
+            <a:spLocks noGrp="1"/>
+          </p:cNvSpPr>
+          <p:nvPr>
+            <p:ph type="ctrTitle"/>
+          </p:nvPr>
+        </p:nvSpPr>
+        <p:spPr/>
+        <p:txBody>
+          <a:bodyPr/>
+          <a:lstStyle/>
+          <a:p>
+            <a:r>
+              <a:rPr lang="en-US" altLang="zh-CN" dirty="0" smtClean="0"/>
+              <a:t>Thanks</a:t>
+            </a:r>
+            <a:endParaRPr lang="zh-CN" altLang="en-US" dirty="0"/>
+          </a:p>
+        </p:txBody>
+      </p:sp>
+      <p:sp>
+        <p:nvSpPr>
+          <p:cNvPr id="5" name="副标题 4"/>
+          <p:cNvSpPr>
+            <a:spLocks noGrp="1"/>
+          </p:cNvSpPr>
+          <p:nvPr>
+            <p:ph type="subTitle" idx="1"/>
+          </p:nvPr>
+        </p:nvSpPr>
+        <p:spPr/>
+        <p:txBody>
+          <a:bodyPr/>
+          <a:lstStyle/>
+          <a:p>
+            <a:endParaRPr lang="zh-CN" altLang="en-US"/>
           </a:p>
         </p:txBody>
       </p:sp>
@@ -3550,11 +4513,7 @@
             </a:r>
             <a:r>
               <a:rPr lang="zh-CN" altLang="en-US" dirty="0" smtClean="0"/>
-              <a:t>虚拟机都实现</a:t>
-            </a:r>
-            <a:r>
-              <a:rPr lang="zh-CN" altLang="en-US" dirty="0" smtClean="0"/>
-              <a:t>了</a:t>
+              <a:t>虚拟机都实现了</a:t>
             </a:r>
             <a:r>
               <a:rPr lang="en-US" dirty="0" smtClean="0"/>

--- a/JNI技术.pptx
+++ b/JNI技术.pptx
@@ -15,17 +15,24 @@
     <p:sldId id="261" r:id="rId9"/>
     <p:sldId id="264" r:id="rId10"/>
     <p:sldId id="263" r:id="rId11"/>
-    <p:sldId id="271" r:id="rId12"/>
-    <p:sldId id="267" r:id="rId13"/>
-    <p:sldId id="268" r:id="rId14"/>
-    <p:sldId id="269" r:id="rId15"/>
-    <p:sldId id="270" r:id="rId16"/>
-    <p:sldId id="272" r:id="rId17"/>
-    <p:sldId id="273" r:id="rId18"/>
-    <p:sldId id="274" r:id="rId19"/>
-    <p:sldId id="275" r:id="rId20"/>
-    <p:sldId id="276" r:id="rId21"/>
-    <p:sldId id="262" r:id="rId22"/>
+    <p:sldId id="281" r:id="rId12"/>
+    <p:sldId id="282" r:id="rId13"/>
+    <p:sldId id="271" r:id="rId14"/>
+    <p:sldId id="267" r:id="rId15"/>
+    <p:sldId id="268" r:id="rId16"/>
+    <p:sldId id="269" r:id="rId17"/>
+    <p:sldId id="270" r:id="rId18"/>
+    <p:sldId id="272" r:id="rId19"/>
+    <p:sldId id="273" r:id="rId20"/>
+    <p:sldId id="274" r:id="rId21"/>
+    <p:sldId id="275" r:id="rId22"/>
+    <p:sldId id="276" r:id="rId23"/>
+    <p:sldId id="277" r:id="rId24"/>
+    <p:sldId id="278" r:id="rId25"/>
+    <p:sldId id="279" r:id="rId26"/>
+    <p:sldId id="280" r:id="rId27"/>
+    <p:sldId id="283" r:id="rId28"/>
+    <p:sldId id="262" r:id="rId29"/>
   </p:sldIdLst>
   <p:sldSz cx="9144000" cy="6858000" type="screen4x3"/>
   <p:notesSz cx="6858000" cy="9144000"/>
@@ -309,7 +316,7 @@
             <a:fld id="{530820CF-B880-4189-942D-D702A7CBA730}" type="datetimeFigureOut">
               <a:rPr lang="zh-CN" altLang="en-US" smtClean="0"/>
               <a:pPr/>
-              <a:t>2012/12/29</a:t>
+              <a:t>2013/1/9</a:t>
             </a:fld>
             <a:endParaRPr lang="zh-CN" altLang="en-US"/>
           </a:p>
@@ -476,7 +483,7 @@
             <a:fld id="{530820CF-B880-4189-942D-D702A7CBA730}" type="datetimeFigureOut">
               <a:rPr lang="zh-CN" altLang="en-US" smtClean="0"/>
               <a:pPr/>
-              <a:t>2012/12/29</a:t>
+              <a:t>2013/1/9</a:t>
             </a:fld>
             <a:endParaRPr lang="zh-CN" altLang="en-US"/>
           </a:p>
@@ -653,7 +660,7 @@
             <a:fld id="{530820CF-B880-4189-942D-D702A7CBA730}" type="datetimeFigureOut">
               <a:rPr lang="zh-CN" altLang="en-US" smtClean="0"/>
               <a:pPr/>
-              <a:t>2012/12/29</a:t>
+              <a:t>2013/1/9</a:t>
             </a:fld>
             <a:endParaRPr lang="zh-CN" altLang="en-US"/>
           </a:p>
@@ -820,7 +827,7 @@
             <a:fld id="{530820CF-B880-4189-942D-D702A7CBA730}" type="datetimeFigureOut">
               <a:rPr lang="zh-CN" altLang="en-US" smtClean="0"/>
               <a:pPr/>
-              <a:t>2012/12/29</a:t>
+              <a:t>2013/1/9</a:t>
             </a:fld>
             <a:endParaRPr lang="zh-CN" altLang="en-US"/>
           </a:p>
@@ -1063,7 +1070,7 @@
             <a:fld id="{530820CF-B880-4189-942D-D702A7CBA730}" type="datetimeFigureOut">
               <a:rPr lang="zh-CN" altLang="en-US" smtClean="0"/>
               <a:pPr/>
-              <a:t>2012/12/29</a:t>
+              <a:t>2013/1/9</a:t>
             </a:fld>
             <a:endParaRPr lang="zh-CN" altLang="en-US"/>
           </a:p>
@@ -1348,7 +1355,7 @@
             <a:fld id="{530820CF-B880-4189-942D-D702A7CBA730}" type="datetimeFigureOut">
               <a:rPr lang="zh-CN" altLang="en-US" smtClean="0"/>
               <a:pPr/>
-              <a:t>2012/12/29</a:t>
+              <a:t>2013/1/9</a:t>
             </a:fld>
             <a:endParaRPr lang="zh-CN" altLang="en-US"/>
           </a:p>
@@ -1767,7 +1774,7 @@
             <a:fld id="{530820CF-B880-4189-942D-D702A7CBA730}" type="datetimeFigureOut">
               <a:rPr lang="zh-CN" altLang="en-US" smtClean="0"/>
               <a:pPr/>
-              <a:t>2012/12/29</a:t>
+              <a:t>2013/1/9</a:t>
             </a:fld>
             <a:endParaRPr lang="zh-CN" altLang="en-US"/>
           </a:p>
@@ -1882,7 +1889,7 @@
             <a:fld id="{530820CF-B880-4189-942D-D702A7CBA730}" type="datetimeFigureOut">
               <a:rPr lang="zh-CN" altLang="en-US" smtClean="0"/>
               <a:pPr/>
-              <a:t>2012/12/29</a:t>
+              <a:t>2013/1/9</a:t>
             </a:fld>
             <a:endParaRPr lang="zh-CN" altLang="en-US"/>
           </a:p>
@@ -1974,7 +1981,7 @@
             <a:fld id="{530820CF-B880-4189-942D-D702A7CBA730}" type="datetimeFigureOut">
               <a:rPr lang="zh-CN" altLang="en-US" smtClean="0"/>
               <a:pPr/>
-              <a:t>2012/12/29</a:t>
+              <a:t>2013/1/9</a:t>
             </a:fld>
             <a:endParaRPr lang="zh-CN" altLang="en-US"/>
           </a:p>
@@ -2248,7 +2255,7 @@
             <a:fld id="{530820CF-B880-4189-942D-D702A7CBA730}" type="datetimeFigureOut">
               <a:rPr lang="zh-CN" altLang="en-US" smtClean="0"/>
               <a:pPr/>
-              <a:t>2012/12/29</a:t>
+              <a:t>2013/1/9</a:t>
             </a:fld>
             <a:endParaRPr lang="zh-CN" altLang="en-US"/>
           </a:p>
@@ -2498,7 +2505,7 @@
             <a:fld id="{530820CF-B880-4189-942D-D702A7CBA730}" type="datetimeFigureOut">
               <a:rPr lang="zh-CN" altLang="en-US" smtClean="0"/>
               <a:pPr/>
-              <a:t>2012/12/29</a:t>
+              <a:t>2013/1/9</a:t>
             </a:fld>
             <a:endParaRPr lang="zh-CN" altLang="en-US"/>
           </a:p>
@@ -2561,7 +2568,7 @@
     <p:bg>
       <p:bgPr>
         <a:blipFill dpi="0" rotWithShape="1">
-          <a:blip r:embed="rId13"/>
+          <a:blip r:embed="rId13" cstate="print"/>
           <a:srcRect/>
           <a:tile tx="0" ty="0" sx="100000" sy="100000" flip="none" algn="tl"/>
         </a:blipFill>
@@ -2713,7 +2720,7 @@
             <a:fld id="{530820CF-B880-4189-942D-D702A7CBA730}" type="datetimeFigureOut">
               <a:rPr lang="zh-CN" altLang="en-US" smtClean="0"/>
               <a:pPr/>
-              <a:t>2012/12/29</a:t>
+              <a:t>2013/1/9</a:t>
             </a:fld>
             <a:endParaRPr lang="zh-CN" altLang="en-US"/>
           </a:p>
@@ -3220,7 +3227,7 @@
           </p:nvPr>
         </p:nvPicPr>
         <p:blipFill>
-          <a:blip r:embed="rId2"/>
+          <a:blip r:embed="rId2" cstate="print"/>
           <a:srcRect/>
           <a:stretch>
             <a:fillRect/>
@@ -3286,39 +3293,167 @@
           <a:p>
             <a:r>
               <a:rPr lang="en-US" altLang="zh-CN" dirty="0" smtClean="0"/>
+              <a:t>JNI </a:t>
+            </a:r>
+            <a:r>
+              <a:rPr lang="zh-CN" altLang="en-US" dirty="0" smtClean="0"/>
+              <a:t>技术</a:t>
+            </a:r>
+            <a:r>
+              <a:rPr lang="en-US" altLang="zh-CN" dirty="0" smtClean="0"/>
+              <a:t>(2)</a:t>
+            </a:r>
+            <a:endParaRPr lang="zh-CN" altLang="en-US" dirty="0"/>
+          </a:p>
+        </p:txBody>
+      </p:sp>
+      <p:sp>
+        <p:nvSpPr>
+          <p:cNvPr id="3" name="内容占位符 2"/>
+          <p:cNvSpPr>
+            <a:spLocks noGrp="1"/>
+          </p:cNvSpPr>
+          <p:nvPr>
+            <p:ph idx="1"/>
+          </p:nvPr>
+        </p:nvSpPr>
+        <p:spPr/>
+        <p:txBody>
+          <a:bodyPr/>
+          <a:lstStyle/>
+          <a:p>
+            <a:pPr marL="514350" indent="-514350">
+              <a:buNone/>
+            </a:pPr>
+            <a:r>
+              <a:rPr lang="zh-CN" altLang="en-US" dirty="0" smtClean="0">
+                <a:solidFill>
+                  <a:schemeClr val="tx2"/>
+                </a:solidFill>
+              </a:rPr>
+              <a:t>回顾：如何使用</a:t>
+            </a:r>
+            <a:r>
+              <a:rPr lang="en-US" altLang="zh-CN" dirty="0" smtClean="0">
+                <a:solidFill>
+                  <a:schemeClr val="tx2"/>
+                </a:solidFill>
+              </a:rPr>
               <a:t>JNI</a:t>
             </a:r>
             <a:r>
-              <a:rPr lang="zh-CN" altLang="en-US" dirty="0" smtClean="0"/>
-              <a:t>数据类型</a:t>
-            </a:r>
+              <a:rPr lang="zh-CN" altLang="en-US" dirty="0" smtClean="0">
+                <a:solidFill>
+                  <a:schemeClr val="tx2"/>
+                </a:solidFill>
+              </a:rPr>
+              <a:t>加载本地方法</a:t>
+            </a:r>
+            <a:endParaRPr lang="en-US" altLang="zh-CN" dirty="0" smtClean="0">
+              <a:solidFill>
+                <a:schemeClr val="tx2"/>
+              </a:solidFill>
+            </a:endParaRPr>
+          </a:p>
+          <a:p>
+            <a:pPr marL="514350" indent="-514350">
+              <a:buFont typeface="+mj-lt"/>
+              <a:buAutoNum type="arabicPeriod"/>
+            </a:pPr>
+            <a:r>
+              <a:rPr lang="zh-CN" altLang="en-US" dirty="0" smtClean="0"/>
+              <a:t>在</a:t>
+            </a:r>
+            <a:r>
+              <a:rPr lang="en-US" altLang="zh-CN" dirty="0" smtClean="0"/>
+              <a:t>Java</a:t>
+            </a:r>
+            <a:r>
+              <a:rPr lang="zh-CN" altLang="en-US" dirty="0" smtClean="0"/>
+              <a:t>类中声明一个本地方法</a:t>
+            </a:r>
+            <a:endParaRPr lang="en-US" altLang="zh-CN" dirty="0" smtClean="0"/>
+          </a:p>
+          <a:p>
+            <a:pPr marL="514350" indent="-514350">
+              <a:buFont typeface="+mj-lt"/>
+              <a:buAutoNum type="arabicPeriod"/>
+            </a:pPr>
+            <a:r>
+              <a:rPr lang="zh-CN" altLang="en-US" dirty="0" smtClean="0"/>
+              <a:t>运行</a:t>
+            </a:r>
+            <a:r>
+              <a:rPr lang="en-US" altLang="zh-CN" dirty="0" err="1" smtClean="0"/>
+              <a:t>javah</a:t>
+            </a:r>
+            <a:r>
+              <a:rPr lang="zh-CN" altLang="en-US" dirty="0" smtClean="0"/>
+              <a:t>以获得包含该方法的</a:t>
+            </a:r>
+            <a:r>
+              <a:rPr lang="en-US" altLang="zh-CN" dirty="0" smtClean="0"/>
+              <a:t>C</a:t>
+            </a:r>
+            <a:r>
+              <a:rPr lang="zh-CN" altLang="en-US" dirty="0" smtClean="0"/>
+              <a:t>声明的头文件</a:t>
+            </a:r>
+            <a:endParaRPr lang="en-US" altLang="zh-CN" dirty="0" smtClean="0"/>
+          </a:p>
+          <a:p>
+            <a:pPr marL="514350" indent="-514350">
+              <a:buFont typeface="+mj-lt"/>
+              <a:buAutoNum type="arabicPeriod"/>
+            </a:pPr>
+            <a:r>
+              <a:rPr lang="zh-CN" altLang="en-US" dirty="0" smtClean="0"/>
+              <a:t>用</a:t>
+            </a:r>
+            <a:r>
+              <a:rPr lang="en-US" altLang="zh-CN" dirty="0" smtClean="0"/>
+              <a:t>C</a:t>
+            </a:r>
+            <a:r>
+              <a:rPr lang="zh-CN" altLang="en-US" dirty="0" smtClean="0"/>
+              <a:t>实现该本地方法</a:t>
+            </a:r>
+            <a:endParaRPr lang="en-US" altLang="zh-CN" dirty="0" smtClean="0"/>
+          </a:p>
+          <a:p>
+            <a:pPr marL="514350" indent="-514350">
+              <a:buFont typeface="+mj-lt"/>
+              <a:buAutoNum type="arabicPeriod"/>
+            </a:pPr>
+            <a:r>
+              <a:rPr lang="zh-CN" altLang="en-US" dirty="0" smtClean="0"/>
+              <a:t>将代码置于共享类库中</a:t>
+            </a:r>
+            <a:endParaRPr lang="en-US" altLang="zh-CN" dirty="0" smtClean="0"/>
+          </a:p>
+          <a:p>
+            <a:pPr marL="514350" indent="-514350">
+              <a:buFont typeface="+mj-lt"/>
+              <a:buAutoNum type="arabicPeriod"/>
+            </a:pPr>
+            <a:r>
+              <a:rPr lang="zh-CN" altLang="en-US" dirty="0" smtClean="0"/>
+              <a:t>在</a:t>
+            </a:r>
+            <a:r>
+              <a:rPr lang="en-US" altLang="zh-CN" dirty="0" smtClean="0"/>
+              <a:t>Java</a:t>
+            </a:r>
+            <a:r>
+              <a:rPr lang="zh-CN" altLang="en-US" dirty="0" smtClean="0"/>
+              <a:t>程序中加载该类库</a:t>
+            </a:r>
+          </a:p>
+          <a:p>
             <a:endParaRPr lang="zh-CN" altLang="en-US" dirty="0"/>
           </a:p>
         </p:txBody>
       </p:sp>
-      <p:pic>
-        <p:nvPicPr>
-          <p:cNvPr id="4" name="内容占位符 3" descr="jni_data.PNG"/>
-          <p:cNvPicPr>
-            <a:picLocks noGrp="1" noChangeAspect="1"/>
-          </p:cNvPicPr>
-          <p:nvPr>
-            <p:ph idx="1"/>
-          </p:nvPr>
-        </p:nvPicPr>
-        <p:blipFill>
-          <a:blip r:embed="rId2"/>
-          <a:stretch>
-            <a:fillRect/>
-          </a:stretch>
-        </p:blipFill>
-        <p:spPr>
-          <a:xfrm>
-            <a:off x="457200" y="2281997"/>
-            <a:ext cx="8229600" cy="3162369"/>
-          </a:xfrm>
-        </p:spPr>
-      </p:pic>
     </p:spTree>
   </p:cSld>
   <p:clrMapOvr>
@@ -3361,35 +3496,78 @@
           <a:p>
             <a:r>
               <a:rPr lang="zh-CN" altLang="en-US" dirty="0" smtClean="0"/>
+              <a:t>本节主要内容</a:t>
+            </a:r>
+            <a:endParaRPr lang="zh-CN" altLang="en-US" dirty="0"/>
+          </a:p>
+        </p:txBody>
+      </p:sp>
+      <p:sp>
+        <p:nvSpPr>
+          <p:cNvPr id="3" name="内容占位符 2"/>
+          <p:cNvSpPr>
+            <a:spLocks noGrp="1"/>
+          </p:cNvSpPr>
+          <p:nvPr>
+            <p:ph idx="1"/>
+          </p:nvPr>
+        </p:nvSpPr>
+        <p:spPr/>
+        <p:txBody>
+          <a:bodyPr/>
+          <a:lstStyle/>
+          <a:p>
+            <a:r>
+              <a:rPr lang="zh-CN" altLang="en-US" dirty="0" smtClean="0"/>
               <a:t>数值参数与返回值</a:t>
             </a:r>
+            <a:endParaRPr lang="en-US" altLang="zh-CN" dirty="0" smtClean="0"/>
+          </a:p>
+          <a:p>
+            <a:r>
+              <a:rPr lang="zh-CN" altLang="en-US" dirty="0" smtClean="0"/>
+              <a:t>字符串参数</a:t>
+            </a:r>
+            <a:endParaRPr lang="en-US" altLang="zh-CN" dirty="0" smtClean="0"/>
+          </a:p>
+          <a:p>
+            <a:r>
+              <a:rPr lang="zh-CN" altLang="en-US" dirty="0" smtClean="0"/>
+              <a:t>访问域</a:t>
+            </a:r>
+            <a:endParaRPr lang="en-US" altLang="zh-CN" dirty="0" smtClean="0"/>
+          </a:p>
+          <a:p>
+            <a:r>
+              <a:rPr lang="zh-CN" altLang="en-US" dirty="0" smtClean="0"/>
+              <a:t>编码签名</a:t>
+            </a:r>
+            <a:endParaRPr lang="en-US" altLang="zh-CN" dirty="0" smtClean="0"/>
+          </a:p>
+          <a:p>
+            <a:r>
+              <a:rPr lang="zh-CN" altLang="en-US" dirty="0" smtClean="0"/>
+              <a:t>调用</a:t>
+            </a:r>
+            <a:r>
+              <a:rPr lang="en-US" altLang="zh-CN" dirty="0" smtClean="0"/>
+              <a:t>Java</a:t>
+            </a:r>
+            <a:r>
+              <a:rPr lang="zh-CN" altLang="en-US" dirty="0" smtClean="0"/>
+              <a:t>方法</a:t>
+            </a:r>
+            <a:endParaRPr lang="en-US" altLang="zh-CN" dirty="0" smtClean="0"/>
+          </a:p>
+          <a:p>
+            <a:r>
+              <a:rPr lang="zh-CN" altLang="en-US" dirty="0" smtClean="0"/>
+              <a:t>访问数组元素</a:t>
+            </a:r>
             <a:endParaRPr lang="zh-CN" altLang="en-US" dirty="0"/>
           </a:p>
         </p:txBody>
       </p:sp>
-      <p:pic>
-        <p:nvPicPr>
-          <p:cNvPr id="4" name="内容占位符 3" descr="Printf1.java.PNG"/>
-          <p:cNvPicPr>
-            <a:picLocks noGrp="1" noChangeAspect="1"/>
-          </p:cNvPicPr>
-          <p:nvPr>
-            <p:ph idx="1"/>
-          </p:nvPr>
-        </p:nvPicPr>
-        <p:blipFill>
-          <a:blip r:embed="rId2"/>
-          <a:stretch>
-            <a:fillRect/>
-          </a:stretch>
-        </p:blipFill>
-        <p:spPr>
-          <a:xfrm>
-            <a:off x="1626614" y="2201877"/>
-            <a:ext cx="5890771" cy="3322608"/>
-          </a:xfrm>
-        </p:spPr>
-      </p:pic>
     </p:spTree>
   </p:cSld>
   <p:clrMapOvr>
@@ -3431,8 +3609,12 @@
           <a:lstStyle/>
           <a:p>
             <a:r>
-              <a:rPr lang="zh-CN" altLang="en-US" dirty="0" smtClean="0"/>
-              <a:t>数值参数与返回值</a:t>
+              <a:rPr lang="en-US" altLang="zh-CN" dirty="0" smtClean="0"/>
+              <a:t>JNI</a:t>
+            </a:r>
+            <a:r>
+              <a:rPr lang="zh-CN" altLang="en-US" dirty="0" smtClean="0"/>
+              <a:t>数据类型</a:t>
             </a:r>
             <a:endParaRPr lang="zh-CN" altLang="en-US" dirty="0"/>
           </a:p>
@@ -3440,7 +3622,7 @@
       </p:sp>
       <p:pic>
         <p:nvPicPr>
-          <p:cNvPr id="4" name="内容占位符 3" descr="Prinf1_C_实现.PNG"/>
+          <p:cNvPr id="4" name="内容占位符 3" descr="jni_data.PNG"/>
           <p:cNvPicPr>
             <a:picLocks noGrp="1" noChangeAspect="1"/>
           </p:cNvPicPr>
@@ -3449,40 +3631,16 @@
           </p:nvPr>
         </p:nvPicPr>
         <p:blipFill>
-          <a:blip r:embed="rId2"/>
+          <a:blip r:embed="rId2" cstate="print"/>
           <a:stretch>
             <a:fillRect/>
           </a:stretch>
         </p:blipFill>
         <p:spPr>
           <a:xfrm>
-            <a:off x="571472" y="1285860"/>
-            <a:ext cx="7978832" cy="2400508"/>
+            <a:off x="457200" y="2281997"/>
+            <a:ext cx="8229600" cy="3162369"/>
           </a:xfrm>
-        </p:spPr>
-      </p:pic>
-      <p:pic>
-        <p:nvPicPr>
-          <p:cNvPr id="5" name="图片 4" descr="Printf1输出结果.PNG"/>
-          <p:cNvPicPr>
-            <a:picLocks noChangeAspect="1"/>
-          </p:cNvPicPr>
-          <p:nvPr/>
-        </p:nvPicPr>
-        <p:blipFill>
-          <a:blip r:embed="rId3"/>
-          <a:stretch>
-            <a:fillRect/>
-          </a:stretch>
-        </p:blipFill>
-        <p:spPr>
-          <a:xfrm>
-            <a:off x="571472" y="4357694"/>
-            <a:ext cx="2339543" cy="861135"/>
-          </a:xfrm>
-          <a:prstGeom prst="rect">
-            <a:avLst/>
-          </a:prstGeom>
         </p:spPr>
       </p:pic>
     </p:spTree>
@@ -3527,7 +3685,7 @@
           <a:p>
             <a:r>
               <a:rPr lang="zh-CN" altLang="en-US" dirty="0" smtClean="0"/>
-              <a:t>字符串参数</a:t>
+              <a:t>数值参数与返回值</a:t>
             </a:r>
             <a:endParaRPr lang="zh-CN" altLang="en-US" dirty="0"/>
           </a:p>
@@ -3535,7 +3693,7 @@
       </p:sp>
       <p:pic>
         <p:nvPicPr>
-          <p:cNvPr id="4" name="内容占位符 3" descr="GetGreeting.java.PNG"/>
+          <p:cNvPr id="4" name="内容占位符 3" descr="Printf1.java.PNG"/>
           <p:cNvPicPr>
             <a:picLocks noGrp="1" noChangeAspect="1"/>
           </p:cNvPicPr>
@@ -3544,15 +3702,15 @@
           </p:nvPr>
         </p:nvPicPr>
         <p:blipFill>
-          <a:blip r:embed="rId2"/>
+          <a:blip r:embed="rId2" cstate="print"/>
           <a:stretch>
             <a:fillRect/>
           </a:stretch>
         </p:blipFill>
         <p:spPr>
           <a:xfrm>
-            <a:off x="2000232" y="1714488"/>
-            <a:ext cx="4153260" cy="2552921"/>
+            <a:off x="1626614" y="2201877"/>
+            <a:ext cx="5890771" cy="3322608"/>
           </a:xfrm>
         </p:spPr>
       </p:pic>
@@ -3598,7 +3756,7 @@
           <a:p>
             <a:r>
               <a:rPr lang="zh-CN" altLang="en-US" dirty="0" smtClean="0"/>
-              <a:t>字符串参数</a:t>
+              <a:t>数值参数与返回值</a:t>
             </a:r>
             <a:endParaRPr lang="zh-CN" altLang="en-US" dirty="0"/>
           </a:p>
@@ -3606,7 +3764,7 @@
       </p:sp>
       <p:pic>
         <p:nvPicPr>
-          <p:cNvPr id="4" name="内容占位符 3" descr="GetGreeting_C_Implement_File.PNG"/>
+          <p:cNvPr id="4" name="内容占位符 3" descr="Prinf1_C_实现.PNG"/>
           <p:cNvPicPr>
             <a:picLocks noGrp="1" noChangeAspect="1"/>
           </p:cNvPicPr>
@@ -3615,36 +3773,36 @@
           </p:nvPr>
         </p:nvPicPr>
         <p:blipFill>
-          <a:blip r:embed="rId2"/>
+          <a:blip r:embed="rId2" cstate="print"/>
           <a:stretch>
             <a:fillRect/>
           </a:stretch>
         </p:blipFill>
         <p:spPr>
           <a:xfrm>
-            <a:off x="1285852" y="1643050"/>
-            <a:ext cx="6569010" cy="2141406"/>
+            <a:off x="571472" y="1285860"/>
+            <a:ext cx="7978832" cy="2400508"/>
           </a:xfrm>
         </p:spPr>
       </p:pic>
       <p:pic>
         <p:nvPicPr>
-          <p:cNvPr id="7" name="图片 6" descr="GetGreeting_输出结果.PNG"/>
+          <p:cNvPr id="5" name="图片 4" descr="Printf1输出结果.PNG"/>
           <p:cNvPicPr>
             <a:picLocks noChangeAspect="1"/>
           </p:cNvPicPr>
           <p:nvPr/>
         </p:nvPicPr>
         <p:blipFill>
-          <a:blip r:embed="rId3"/>
+          <a:blip r:embed="rId3" cstate="print"/>
           <a:stretch>
             <a:fillRect/>
           </a:stretch>
         </p:blipFill>
         <p:spPr>
           <a:xfrm>
-            <a:off x="1285852" y="4286256"/>
-            <a:ext cx="2728197" cy="510584"/>
+            <a:off x="571472" y="4357694"/>
+            <a:ext cx="2339543" cy="861135"/>
           </a:xfrm>
           <a:prstGeom prst="rect">
             <a:avLst/>
@@ -3699,70 +3857,29 @@
           </a:p>
         </p:txBody>
       </p:sp>
-      <p:sp>
-        <p:nvSpPr>
-          <p:cNvPr id="3" name="内容占位符 2"/>
-          <p:cNvSpPr>
-            <a:spLocks noGrp="1"/>
-          </p:cNvSpPr>
+      <p:pic>
+        <p:nvPicPr>
+          <p:cNvPr id="4" name="内容占位符 3" descr="GetGreeting.java.PNG"/>
+          <p:cNvPicPr>
+            <a:picLocks noGrp="1" noChangeAspect="1"/>
+          </p:cNvPicPr>
           <p:nvPr>
             <p:ph idx="1"/>
           </p:nvPr>
-        </p:nvSpPr>
-        <p:spPr/>
-        <p:txBody>
-          <a:bodyPr/>
-          <a:lstStyle/>
-          <a:p>
-            <a:r>
-              <a:rPr lang="en-US" altLang="zh-CN" dirty="0" err="1" smtClean="0"/>
-              <a:t>e</a:t>
-            </a:r>
-            <a:r>
-              <a:rPr lang="en-US" altLang="zh-CN" dirty="0" err="1" smtClean="0"/>
-              <a:t>nv</a:t>
-            </a:r>
-            <a:r>
-              <a:rPr lang="en-US" altLang="zh-CN" dirty="0" smtClean="0"/>
-              <a:t>-&gt;</a:t>
-            </a:r>
-            <a:r>
-              <a:rPr lang="en-US" altLang="zh-CN" dirty="0" err="1" smtClean="0"/>
-              <a:t>NewStringUTF</a:t>
-            </a:r>
-            <a:r>
-              <a:rPr lang="en-US" altLang="zh-CN" dirty="0" smtClean="0"/>
-              <a:t>()</a:t>
-            </a:r>
-          </a:p>
-          <a:p>
-            <a:r>
-              <a:rPr lang="en-US" altLang="zh-CN" dirty="0" err="1" smtClean="0"/>
-              <a:t>e</a:t>
-            </a:r>
-            <a:r>
-              <a:rPr lang="en-US" altLang="zh-CN" dirty="0" err="1" smtClean="0"/>
-              <a:t>nv</a:t>
-            </a:r>
-            <a:r>
-              <a:rPr lang="en-US" altLang="zh-CN" dirty="0" smtClean="0"/>
-              <a:t>-&gt;</a:t>
-            </a:r>
-            <a:r>
-              <a:rPr lang="en-US" altLang="zh-CN" dirty="0" err="1" smtClean="0"/>
-              <a:t>ReleaseStringUTFChars</a:t>
-            </a:r>
-            <a:r>
-              <a:rPr lang="en-US" altLang="zh-CN" dirty="0" smtClean="0"/>
-              <a:t>()</a:t>
-            </a:r>
-            <a:endParaRPr lang="en-US" altLang="zh-CN" dirty="0" smtClean="0"/>
-          </a:p>
-          <a:p>
-            <a:endParaRPr lang="zh-CN" altLang="en-US" dirty="0"/>
-          </a:p>
-        </p:txBody>
-      </p:sp>
+        </p:nvPicPr>
+        <p:blipFill>
+          <a:blip r:embed="rId2" cstate="print"/>
+          <a:stretch>
+            <a:fillRect/>
+          </a:stretch>
+        </p:blipFill>
+        <p:spPr>
+          <a:xfrm>
+            <a:off x="2000232" y="1714488"/>
+            <a:ext cx="4153260" cy="2552921"/>
+          </a:xfrm>
+        </p:spPr>
+      </p:pic>
     </p:spTree>
   </p:cSld>
   <p:clrMapOvr>
@@ -3805,7 +3922,7 @@
           <a:p>
             <a:r>
               <a:rPr lang="zh-CN" altLang="en-US" dirty="0" smtClean="0"/>
-              <a:t>编码签名</a:t>
+              <a:t>字符串参数</a:t>
             </a:r>
             <a:endParaRPr lang="zh-CN" altLang="en-US" dirty="0"/>
           </a:p>
@@ -3813,37 +3930,49 @@
       </p:sp>
       <p:pic>
         <p:nvPicPr>
-          <p:cNvPr id="1026" name="Picture 2"/>
+          <p:cNvPr id="4" name="内容占位符 3" descr="GetGreeting_C_Implement_File.PNG"/>
           <p:cNvPicPr>
-            <a:picLocks noGrp="1" noChangeAspect="1" noChangeArrowheads="1"/>
+            <a:picLocks noGrp="1" noChangeAspect="1"/>
           </p:cNvPicPr>
           <p:nvPr>
             <p:ph idx="1"/>
           </p:nvPr>
         </p:nvPicPr>
         <p:blipFill>
-          <a:blip r:embed="rId2"/>
-          <a:srcRect/>
+          <a:blip r:embed="rId2" cstate="print"/>
           <a:stretch>
             <a:fillRect/>
           </a:stretch>
         </p:blipFill>
-        <p:spPr bwMode="auto">
+        <p:spPr>
           <a:xfrm>
-            <a:off x="1857356" y="1500174"/>
-            <a:ext cx="5960127" cy="4143404"/>
+            <a:off x="1285852" y="1643050"/>
+            <a:ext cx="6569010" cy="2141406"/>
+          </a:xfrm>
+        </p:spPr>
+      </p:pic>
+      <p:pic>
+        <p:nvPicPr>
+          <p:cNvPr id="7" name="图片 6" descr="GetGreeting_输出结果.PNG"/>
+          <p:cNvPicPr>
+            <a:picLocks noChangeAspect="1"/>
+          </p:cNvPicPr>
+          <p:nvPr/>
+        </p:nvPicPr>
+        <p:blipFill>
+          <a:blip r:embed="rId3" cstate="print"/>
+          <a:stretch>
+            <a:fillRect/>
+          </a:stretch>
+        </p:blipFill>
+        <p:spPr>
+          <a:xfrm>
+            <a:off x="1285852" y="4286256"/>
+            <a:ext cx="2728197" cy="510584"/>
           </a:xfrm>
           <a:prstGeom prst="rect">
             <a:avLst/>
           </a:prstGeom>
-          <a:noFill/>
-          <a:ln w="9525">
-            <a:noFill/>
-            <a:miter lim="800000"/>
-            <a:headEnd/>
-            <a:tailEnd/>
-          </a:ln>
-          <a:effectLst/>
         </p:spPr>
       </p:pic>
     </p:spTree>
@@ -3888,73 +4017,63 @@
           <a:p>
             <a:r>
               <a:rPr lang="zh-CN" altLang="en-US" dirty="0" smtClean="0"/>
-              <a:t>编码签名</a:t>
+              <a:t>字符串参数</a:t>
             </a:r>
             <a:endParaRPr lang="zh-CN" altLang="en-US" dirty="0"/>
           </a:p>
         </p:txBody>
       </p:sp>
-      <p:pic>
-        <p:nvPicPr>
-          <p:cNvPr id="2050" name="Picture 2"/>
-          <p:cNvPicPr>
-            <a:picLocks noGrp="1" noChangeAspect="1" noChangeArrowheads="1"/>
-          </p:cNvPicPr>
+      <p:sp>
+        <p:nvSpPr>
+          <p:cNvPr id="3" name="内容占位符 2"/>
+          <p:cNvSpPr>
+            <a:spLocks noGrp="1"/>
+          </p:cNvSpPr>
           <p:nvPr>
             <p:ph idx="1"/>
           </p:nvPr>
-        </p:nvPicPr>
-        <p:blipFill>
-          <a:blip r:embed="rId2"/>
-          <a:srcRect/>
-          <a:stretch>
-            <a:fillRect/>
-          </a:stretch>
-        </p:blipFill>
-        <p:spPr bwMode="auto">
-          <a:xfrm>
-            <a:off x="928662" y="2571744"/>
-            <a:ext cx="7399232" cy="2500330"/>
-          </a:xfrm>
-          <a:prstGeom prst="rect">
-            <a:avLst/>
-          </a:prstGeom>
-          <a:noFill/>
-          <a:ln w="9525">
-            <a:noFill/>
-            <a:miter lim="800000"/>
-            <a:headEnd/>
-            <a:tailEnd/>
-          </a:ln>
-          <a:effectLst/>
-        </p:spPr>
-      </p:pic>
-      <p:sp>
-        <p:nvSpPr>
-          <p:cNvPr id="5" name="TextBox 4"/>
-          <p:cNvSpPr txBox="1"/>
-          <p:nvPr/>
-        </p:nvSpPr>
-        <p:spPr>
-          <a:xfrm>
-            <a:off x="928662" y="1857364"/>
-            <a:ext cx="1928826" cy="369332"/>
-          </a:xfrm>
-          <a:prstGeom prst="rect">
-            <a:avLst/>
-          </a:prstGeom>
-          <a:noFill/>
-        </p:spPr>
-        <p:txBody>
-          <a:bodyPr wrap="square" rtlCol="0">
-            <a:spAutoFit/>
-          </a:bodyPr>
-          <a:lstStyle/>
-          <a:p>
-            <a:r>
-              <a:rPr lang="zh-CN" altLang="en-US" dirty="0" smtClean="0"/>
-              <a:t>数组的表示</a:t>
-            </a:r>
+        </p:nvSpPr>
+        <p:spPr/>
+        <p:txBody>
+          <a:bodyPr/>
+          <a:lstStyle/>
+          <a:p>
+            <a:r>
+              <a:rPr lang="en-US" altLang="zh-CN" dirty="0" err="1" smtClean="0"/>
+              <a:t>env</a:t>
+            </a:r>
+            <a:r>
+              <a:rPr lang="en-US" altLang="zh-CN" dirty="0" smtClean="0"/>
+              <a:t>-&gt;</a:t>
+            </a:r>
+            <a:r>
+              <a:rPr lang="en-US" altLang="zh-CN" dirty="0" err="1" smtClean="0"/>
+              <a:t>NewStringUTF</a:t>
+            </a:r>
+            <a:r>
+              <a:rPr lang="en-US" altLang="zh-CN" dirty="0" smtClean="0"/>
+              <a:t>()</a:t>
+            </a:r>
+          </a:p>
+          <a:p>
+            <a:r>
+              <a:rPr lang="en-US" altLang="zh-CN" dirty="0" err="1" smtClean="0"/>
+              <a:t>env</a:t>
+            </a:r>
+            <a:r>
+              <a:rPr lang="en-US" altLang="zh-CN" dirty="0" smtClean="0"/>
+              <a:t>-&gt;</a:t>
+            </a:r>
+            <a:r>
+              <a:rPr lang="en-US" altLang="zh-CN" dirty="0" err="1" smtClean="0"/>
+              <a:t>ReleaseStringUTFChars</a:t>
+            </a:r>
+            <a:r>
+              <a:rPr lang="en-US" altLang="zh-CN" dirty="0" smtClean="0"/>
+              <a:t>()</a:t>
+            </a:r>
+          </a:p>
+          <a:p>
             <a:endParaRPr lang="zh-CN" altLang="en-US" dirty="0"/>
           </a:p>
         </p:txBody>
@@ -4009,7 +4128,7 @@
       </p:sp>
       <p:pic>
         <p:nvPicPr>
-          <p:cNvPr id="3074" name="Picture 2"/>
+          <p:cNvPr id="1026" name="Picture 2"/>
           <p:cNvPicPr>
             <a:picLocks noGrp="1" noChangeAspect="1" noChangeArrowheads="1"/>
           </p:cNvPicPr>
@@ -4018,7 +4137,7 @@
           </p:nvPr>
         </p:nvPicPr>
         <p:blipFill>
-          <a:blip r:embed="rId2"/>
+          <a:blip r:embed="rId2" cstate="print"/>
           <a:srcRect/>
           <a:stretch>
             <a:fillRect/>
@@ -4026,8 +4145,8 @@
         </p:blipFill>
         <p:spPr bwMode="auto">
           <a:xfrm>
-            <a:off x="1142976" y="1714488"/>
-            <a:ext cx="7050505" cy="4500594"/>
+            <a:off x="1857356" y="1500174"/>
+            <a:ext cx="5960127" cy="4143404"/>
           </a:xfrm>
           <a:prstGeom prst="rect">
             <a:avLst/>
@@ -4042,36 +4161,6 @@
           <a:effectLst/>
         </p:spPr>
       </p:pic>
-      <p:sp>
-        <p:nvSpPr>
-          <p:cNvPr id="5" name="TextBox 4"/>
-          <p:cNvSpPr txBox="1"/>
-          <p:nvPr/>
-        </p:nvSpPr>
-        <p:spPr>
-          <a:xfrm>
-            <a:off x="1071538" y="1214422"/>
-            <a:ext cx="3286148" cy="369332"/>
-          </a:xfrm>
-          <a:prstGeom prst="rect">
-            <a:avLst/>
-          </a:prstGeom>
-          <a:noFill/>
-        </p:spPr>
-        <p:txBody>
-          <a:bodyPr wrap="square" rtlCol="0">
-            <a:spAutoFit/>
-          </a:bodyPr>
-          <a:lstStyle/>
-          <a:p>
-            <a:r>
-              <a:rPr lang="zh-CN" altLang="en-US" dirty="0" smtClean="0"/>
-              <a:t>使用命令查看编码签名</a:t>
-            </a:r>
-            <a:endParaRPr lang="zh-CN" altLang="en-US" dirty="0"/>
-          </a:p>
-        </p:txBody>
-      </p:sp>
     </p:spTree>
   </p:cSld>
   <p:clrMapOvr>
@@ -4243,6 +4332,232 @@
       </p:sp>
       <p:pic>
         <p:nvPicPr>
+          <p:cNvPr id="2050" name="Picture 2"/>
+          <p:cNvPicPr>
+            <a:picLocks noGrp="1" noChangeAspect="1" noChangeArrowheads="1"/>
+          </p:cNvPicPr>
+          <p:nvPr>
+            <p:ph idx="1"/>
+          </p:nvPr>
+        </p:nvPicPr>
+        <p:blipFill>
+          <a:blip r:embed="rId2" cstate="print"/>
+          <a:srcRect/>
+          <a:stretch>
+            <a:fillRect/>
+          </a:stretch>
+        </p:blipFill>
+        <p:spPr bwMode="auto">
+          <a:xfrm>
+            <a:off x="928662" y="2571744"/>
+            <a:ext cx="7399232" cy="2500330"/>
+          </a:xfrm>
+          <a:prstGeom prst="rect">
+            <a:avLst/>
+          </a:prstGeom>
+          <a:noFill/>
+          <a:ln w="9525">
+            <a:noFill/>
+            <a:miter lim="800000"/>
+            <a:headEnd/>
+            <a:tailEnd/>
+          </a:ln>
+          <a:effectLst/>
+        </p:spPr>
+      </p:pic>
+      <p:sp>
+        <p:nvSpPr>
+          <p:cNvPr id="5" name="TextBox 4"/>
+          <p:cNvSpPr txBox="1"/>
+          <p:nvPr/>
+        </p:nvSpPr>
+        <p:spPr>
+          <a:xfrm>
+            <a:off x="928662" y="1857364"/>
+            <a:ext cx="1928826" cy="369332"/>
+          </a:xfrm>
+          <a:prstGeom prst="rect">
+            <a:avLst/>
+          </a:prstGeom>
+          <a:noFill/>
+        </p:spPr>
+        <p:txBody>
+          <a:bodyPr wrap="square" rtlCol="0">
+            <a:spAutoFit/>
+          </a:bodyPr>
+          <a:lstStyle/>
+          <a:p>
+            <a:r>
+              <a:rPr lang="zh-CN" altLang="en-US" dirty="0" smtClean="0"/>
+              <a:t>数组的表示</a:t>
+            </a:r>
+            <a:endParaRPr lang="zh-CN" altLang="en-US" dirty="0"/>
+          </a:p>
+        </p:txBody>
+      </p:sp>
+    </p:spTree>
+  </p:cSld>
+  <p:clrMapOvr>
+    <a:masterClrMapping/>
+  </p:clrMapOvr>
+</p:sld>
+</file>
+
+<file path=ppt/slides/slide21.xml><?xml version="1.0" encoding="utf-8"?>
+<p:sld xmlns:a="http://schemas.openxmlformats.org/drawingml/2006/main" xmlns:r="http://schemas.openxmlformats.org/officeDocument/2006/relationships" xmlns:p="http://schemas.openxmlformats.org/presentationml/2006/main">
+  <p:cSld>
+    <p:spTree>
+      <p:nvGrpSpPr>
+        <p:cNvPr id="1" name=""/>
+        <p:cNvGrpSpPr/>
+        <p:nvPr/>
+      </p:nvGrpSpPr>
+      <p:grpSpPr>
+        <a:xfrm>
+          <a:off x="0" y="0"/>
+          <a:ext cx="0" cy="0"/>
+          <a:chOff x="0" y="0"/>
+          <a:chExt cx="0" cy="0"/>
+        </a:xfrm>
+      </p:grpSpPr>
+      <p:sp>
+        <p:nvSpPr>
+          <p:cNvPr id="2" name="标题 1"/>
+          <p:cNvSpPr>
+            <a:spLocks noGrp="1"/>
+          </p:cNvSpPr>
+          <p:nvPr>
+            <p:ph type="title"/>
+          </p:nvPr>
+        </p:nvSpPr>
+        <p:spPr/>
+        <p:txBody>
+          <a:bodyPr/>
+          <a:lstStyle/>
+          <a:p>
+            <a:r>
+              <a:rPr lang="zh-CN" altLang="en-US" dirty="0" smtClean="0"/>
+              <a:t>编码签名</a:t>
+            </a:r>
+            <a:endParaRPr lang="zh-CN" altLang="en-US" dirty="0"/>
+          </a:p>
+        </p:txBody>
+      </p:sp>
+      <p:pic>
+        <p:nvPicPr>
+          <p:cNvPr id="3074" name="Picture 2"/>
+          <p:cNvPicPr>
+            <a:picLocks noGrp="1" noChangeAspect="1" noChangeArrowheads="1"/>
+          </p:cNvPicPr>
+          <p:nvPr>
+            <p:ph idx="1"/>
+          </p:nvPr>
+        </p:nvPicPr>
+        <p:blipFill>
+          <a:blip r:embed="rId2" cstate="print"/>
+          <a:srcRect/>
+          <a:stretch>
+            <a:fillRect/>
+          </a:stretch>
+        </p:blipFill>
+        <p:spPr bwMode="auto">
+          <a:xfrm>
+            <a:off x="1142976" y="1714488"/>
+            <a:ext cx="7050505" cy="4500594"/>
+          </a:xfrm>
+          <a:prstGeom prst="rect">
+            <a:avLst/>
+          </a:prstGeom>
+          <a:noFill/>
+          <a:ln w="9525">
+            <a:noFill/>
+            <a:miter lim="800000"/>
+            <a:headEnd/>
+            <a:tailEnd/>
+          </a:ln>
+          <a:effectLst/>
+        </p:spPr>
+      </p:pic>
+      <p:sp>
+        <p:nvSpPr>
+          <p:cNvPr id="5" name="TextBox 4"/>
+          <p:cNvSpPr txBox="1"/>
+          <p:nvPr/>
+        </p:nvSpPr>
+        <p:spPr>
+          <a:xfrm>
+            <a:off x="1071538" y="1214422"/>
+            <a:ext cx="3286148" cy="369332"/>
+          </a:xfrm>
+          <a:prstGeom prst="rect">
+            <a:avLst/>
+          </a:prstGeom>
+          <a:noFill/>
+        </p:spPr>
+        <p:txBody>
+          <a:bodyPr wrap="square" rtlCol="0">
+            <a:spAutoFit/>
+          </a:bodyPr>
+          <a:lstStyle/>
+          <a:p>
+            <a:r>
+              <a:rPr lang="zh-CN" altLang="en-US" dirty="0" smtClean="0"/>
+              <a:t>使用命令查看编码签名</a:t>
+            </a:r>
+            <a:endParaRPr lang="zh-CN" altLang="en-US" dirty="0"/>
+          </a:p>
+        </p:txBody>
+      </p:sp>
+    </p:spTree>
+  </p:cSld>
+  <p:clrMapOvr>
+    <a:masterClrMapping/>
+  </p:clrMapOvr>
+</p:sld>
+</file>
+
+<file path=ppt/slides/slide22.xml><?xml version="1.0" encoding="utf-8"?>
+<p:sld xmlns:a="http://schemas.openxmlformats.org/drawingml/2006/main" xmlns:r="http://schemas.openxmlformats.org/officeDocument/2006/relationships" xmlns:p="http://schemas.openxmlformats.org/presentationml/2006/main">
+  <p:cSld>
+    <p:spTree>
+      <p:nvGrpSpPr>
+        <p:cNvPr id="1" name=""/>
+        <p:cNvGrpSpPr/>
+        <p:nvPr/>
+      </p:nvGrpSpPr>
+      <p:grpSpPr>
+        <a:xfrm>
+          <a:off x="0" y="0"/>
+          <a:ext cx="0" cy="0"/>
+          <a:chOff x="0" y="0"/>
+          <a:chExt cx="0" cy="0"/>
+        </a:xfrm>
+      </p:grpSpPr>
+      <p:sp>
+        <p:nvSpPr>
+          <p:cNvPr id="2" name="标题 1"/>
+          <p:cNvSpPr>
+            <a:spLocks noGrp="1"/>
+          </p:cNvSpPr>
+          <p:nvPr>
+            <p:ph type="title"/>
+          </p:nvPr>
+        </p:nvSpPr>
+        <p:spPr/>
+        <p:txBody>
+          <a:bodyPr/>
+          <a:lstStyle/>
+          <a:p>
+            <a:r>
+              <a:rPr lang="zh-CN" altLang="en-US" dirty="0" smtClean="0"/>
+              <a:t>编码签名</a:t>
+            </a:r>
+            <a:endParaRPr lang="zh-CN" altLang="en-US" dirty="0"/>
+          </a:p>
+        </p:txBody>
+      </p:sp>
+      <p:pic>
+        <p:nvPicPr>
           <p:cNvPr id="4099" name="Picture 3"/>
           <p:cNvPicPr>
             <a:picLocks noGrp="1" noChangeAspect="1" noChangeArrowheads="1"/>
@@ -4252,7 +4567,7 @@
           </p:nvPr>
         </p:nvPicPr>
         <p:blipFill>
-          <a:blip r:embed="rId2"/>
+          <a:blip r:embed="rId2" cstate="print"/>
           <a:srcRect/>
           <a:stretch>
             <a:fillRect/>
@@ -4326,7 +4641,433 @@
 </p:sld>
 </file>
 
-<file path=ppt/slides/slide21.xml><?xml version="1.0" encoding="utf-8"?>
+<file path=ppt/slides/slide23.xml><?xml version="1.0" encoding="utf-8"?>
+<p:sld xmlns:a="http://schemas.openxmlformats.org/drawingml/2006/main" xmlns:r="http://schemas.openxmlformats.org/officeDocument/2006/relationships" xmlns:p="http://schemas.openxmlformats.org/presentationml/2006/main">
+  <p:cSld>
+    <p:spTree>
+      <p:nvGrpSpPr>
+        <p:cNvPr id="1" name=""/>
+        <p:cNvGrpSpPr/>
+        <p:nvPr/>
+      </p:nvGrpSpPr>
+      <p:grpSpPr>
+        <a:xfrm>
+          <a:off x="0" y="0"/>
+          <a:ext cx="0" cy="0"/>
+          <a:chOff x="0" y="0"/>
+          <a:chExt cx="0" cy="0"/>
+        </a:xfrm>
+      </p:grpSpPr>
+      <p:sp>
+        <p:nvSpPr>
+          <p:cNvPr id="2" name="标题 1"/>
+          <p:cNvSpPr>
+            <a:spLocks noGrp="1"/>
+          </p:cNvSpPr>
+          <p:nvPr>
+            <p:ph type="title"/>
+          </p:nvPr>
+        </p:nvSpPr>
+        <p:spPr/>
+        <p:txBody>
+          <a:bodyPr/>
+          <a:lstStyle/>
+          <a:p>
+            <a:r>
+              <a:rPr lang="zh-CN" altLang="en-US" dirty="0" smtClean="0"/>
+              <a:t>调用</a:t>
+            </a:r>
+            <a:r>
+              <a:rPr lang="en-US" altLang="zh-CN" dirty="0" smtClean="0"/>
+              <a:t>Java</a:t>
+            </a:r>
+            <a:r>
+              <a:rPr lang="zh-CN" altLang="en-US" dirty="0" smtClean="0"/>
+              <a:t>方法</a:t>
+            </a:r>
+            <a:endParaRPr lang="zh-CN" altLang="en-US" dirty="0"/>
+          </a:p>
+        </p:txBody>
+      </p:sp>
+      <p:pic>
+        <p:nvPicPr>
+          <p:cNvPr id="1026" name="Picture 2"/>
+          <p:cNvPicPr>
+            <a:picLocks noGrp="1" noChangeAspect="1" noChangeArrowheads="1"/>
+          </p:cNvPicPr>
+          <p:nvPr>
+            <p:ph idx="1"/>
+          </p:nvPr>
+        </p:nvPicPr>
+        <p:blipFill>
+          <a:blip r:embed="rId2" cstate="print"/>
+          <a:srcRect/>
+          <a:stretch>
+            <a:fillRect/>
+          </a:stretch>
+        </p:blipFill>
+        <p:spPr bwMode="auto">
+          <a:xfrm>
+            <a:off x="1403648" y="1916832"/>
+            <a:ext cx="6311600" cy="3773239"/>
+          </a:xfrm>
+          <a:prstGeom prst="rect">
+            <a:avLst/>
+          </a:prstGeom>
+          <a:noFill/>
+          <a:ln w="9525">
+            <a:noFill/>
+            <a:miter lim="800000"/>
+            <a:headEnd/>
+            <a:tailEnd/>
+          </a:ln>
+        </p:spPr>
+      </p:pic>
+    </p:spTree>
+  </p:cSld>
+  <p:clrMapOvr>
+    <a:masterClrMapping/>
+  </p:clrMapOvr>
+</p:sld>
+</file>
+
+<file path=ppt/slides/slide24.xml><?xml version="1.0" encoding="utf-8"?>
+<p:sld xmlns:a="http://schemas.openxmlformats.org/drawingml/2006/main" xmlns:r="http://schemas.openxmlformats.org/officeDocument/2006/relationships" xmlns:p="http://schemas.openxmlformats.org/presentationml/2006/main">
+  <p:cSld>
+    <p:spTree>
+      <p:nvGrpSpPr>
+        <p:cNvPr id="1" name=""/>
+        <p:cNvGrpSpPr/>
+        <p:nvPr/>
+      </p:nvGrpSpPr>
+      <p:grpSpPr>
+        <a:xfrm>
+          <a:off x="0" y="0"/>
+          <a:ext cx="0" cy="0"/>
+          <a:chOff x="0" y="0"/>
+          <a:chExt cx="0" cy="0"/>
+        </a:xfrm>
+      </p:grpSpPr>
+      <p:sp>
+        <p:nvSpPr>
+          <p:cNvPr id="2" name="标题 1"/>
+          <p:cNvSpPr>
+            <a:spLocks noGrp="1"/>
+          </p:cNvSpPr>
+          <p:nvPr>
+            <p:ph type="title"/>
+          </p:nvPr>
+        </p:nvSpPr>
+        <p:spPr/>
+        <p:txBody>
+          <a:bodyPr/>
+          <a:lstStyle/>
+          <a:p>
+            <a:r>
+              <a:rPr lang="zh-CN" altLang="en-US" dirty="0" smtClean="0"/>
+              <a:t>调用</a:t>
+            </a:r>
+            <a:r>
+              <a:rPr lang="en-US" altLang="zh-CN" dirty="0" smtClean="0"/>
+              <a:t>Java</a:t>
+            </a:r>
+            <a:r>
+              <a:rPr lang="zh-CN" altLang="en-US" dirty="0" smtClean="0"/>
+              <a:t>方法</a:t>
+            </a:r>
+            <a:endParaRPr lang="zh-CN" altLang="en-US" dirty="0"/>
+          </a:p>
+        </p:txBody>
+      </p:sp>
+      <p:pic>
+        <p:nvPicPr>
+          <p:cNvPr id="2050" name="Picture 2"/>
+          <p:cNvPicPr>
+            <a:picLocks noGrp="1" noChangeAspect="1" noChangeArrowheads="1"/>
+          </p:cNvPicPr>
+          <p:nvPr>
+            <p:ph idx="1"/>
+          </p:nvPr>
+        </p:nvPicPr>
+        <p:blipFill>
+          <a:blip r:embed="rId2" cstate="print"/>
+          <a:srcRect/>
+          <a:stretch>
+            <a:fillRect/>
+          </a:stretch>
+        </p:blipFill>
+        <p:spPr bwMode="auto">
+          <a:xfrm>
+            <a:off x="1403648" y="2060848"/>
+            <a:ext cx="6482765" cy="2964383"/>
+          </a:xfrm>
+          <a:prstGeom prst="rect">
+            <a:avLst/>
+          </a:prstGeom>
+          <a:noFill/>
+          <a:ln w="9525">
+            <a:noFill/>
+            <a:miter lim="800000"/>
+            <a:headEnd/>
+            <a:tailEnd/>
+          </a:ln>
+        </p:spPr>
+      </p:pic>
+    </p:spTree>
+  </p:cSld>
+  <p:clrMapOvr>
+    <a:masterClrMapping/>
+  </p:clrMapOvr>
+</p:sld>
+</file>
+
+<file path=ppt/slides/slide25.xml><?xml version="1.0" encoding="utf-8"?>
+<p:sld xmlns:a="http://schemas.openxmlformats.org/drawingml/2006/main" xmlns:r="http://schemas.openxmlformats.org/officeDocument/2006/relationships" xmlns:p="http://schemas.openxmlformats.org/presentationml/2006/main">
+  <p:cSld>
+    <p:spTree>
+      <p:nvGrpSpPr>
+        <p:cNvPr id="1" name=""/>
+        <p:cNvGrpSpPr/>
+        <p:nvPr/>
+      </p:nvGrpSpPr>
+      <p:grpSpPr>
+        <a:xfrm>
+          <a:off x="0" y="0"/>
+          <a:ext cx="0" cy="0"/>
+          <a:chOff x="0" y="0"/>
+          <a:chExt cx="0" cy="0"/>
+        </a:xfrm>
+      </p:grpSpPr>
+      <p:sp>
+        <p:nvSpPr>
+          <p:cNvPr id="2" name="标题 1"/>
+          <p:cNvSpPr>
+            <a:spLocks noGrp="1"/>
+          </p:cNvSpPr>
+          <p:nvPr>
+            <p:ph type="title"/>
+          </p:nvPr>
+        </p:nvSpPr>
+        <p:spPr/>
+        <p:txBody>
+          <a:bodyPr/>
+          <a:lstStyle/>
+          <a:p>
+            <a:r>
+              <a:rPr lang="zh-CN" altLang="en-US" dirty="0" smtClean="0"/>
+              <a:t>访问数组元素</a:t>
+            </a:r>
+            <a:endParaRPr lang="zh-CN" altLang="en-US" dirty="0"/>
+          </a:p>
+        </p:txBody>
+      </p:sp>
+      <p:pic>
+        <p:nvPicPr>
+          <p:cNvPr id="3074" name="Picture 2"/>
+          <p:cNvPicPr>
+            <a:picLocks noGrp="1" noChangeAspect="1" noChangeArrowheads="1"/>
+          </p:cNvPicPr>
+          <p:nvPr>
+            <p:ph idx="1"/>
+          </p:nvPr>
+        </p:nvPicPr>
+        <p:blipFill>
+          <a:blip r:embed="rId2" cstate="print"/>
+          <a:srcRect/>
+          <a:stretch>
+            <a:fillRect/>
+          </a:stretch>
+        </p:blipFill>
+        <p:spPr bwMode="auto">
+          <a:xfrm>
+            <a:off x="1331640" y="1700808"/>
+            <a:ext cx="7200527" cy="3548831"/>
+          </a:xfrm>
+          <a:prstGeom prst="rect">
+            <a:avLst/>
+          </a:prstGeom>
+          <a:noFill/>
+          <a:ln w="9525">
+            <a:noFill/>
+            <a:miter lim="800000"/>
+            <a:headEnd/>
+            <a:tailEnd/>
+          </a:ln>
+        </p:spPr>
+      </p:pic>
+    </p:spTree>
+  </p:cSld>
+  <p:clrMapOvr>
+    <a:masterClrMapping/>
+  </p:clrMapOvr>
+</p:sld>
+</file>
+
+<file path=ppt/slides/slide26.xml><?xml version="1.0" encoding="utf-8"?>
+<p:sld xmlns:a="http://schemas.openxmlformats.org/drawingml/2006/main" xmlns:r="http://schemas.openxmlformats.org/officeDocument/2006/relationships" xmlns:p="http://schemas.openxmlformats.org/presentationml/2006/main">
+  <p:cSld>
+    <p:spTree>
+      <p:nvGrpSpPr>
+        <p:cNvPr id="1" name=""/>
+        <p:cNvGrpSpPr/>
+        <p:nvPr/>
+      </p:nvGrpSpPr>
+      <p:grpSpPr>
+        <a:xfrm>
+          <a:off x="0" y="0"/>
+          <a:ext cx="0" cy="0"/>
+          <a:chOff x="0" y="0"/>
+          <a:chExt cx="0" cy="0"/>
+        </a:xfrm>
+      </p:grpSpPr>
+      <p:sp>
+        <p:nvSpPr>
+          <p:cNvPr id="2" name="标题 1"/>
+          <p:cNvSpPr>
+            <a:spLocks noGrp="1"/>
+          </p:cNvSpPr>
+          <p:nvPr>
+            <p:ph type="title"/>
+          </p:nvPr>
+        </p:nvSpPr>
+        <p:spPr/>
+        <p:txBody>
+          <a:bodyPr/>
+          <a:lstStyle/>
+          <a:p>
+            <a:r>
+              <a:rPr lang="zh-CN" altLang="en-US" dirty="0" smtClean="0"/>
+              <a:t>访问数组元素</a:t>
+            </a:r>
+            <a:endParaRPr lang="zh-CN" altLang="en-US" dirty="0"/>
+          </a:p>
+        </p:txBody>
+      </p:sp>
+      <p:pic>
+        <p:nvPicPr>
+          <p:cNvPr id="4098" name="Picture 2"/>
+          <p:cNvPicPr>
+            <a:picLocks noGrp="1" noChangeAspect="1" noChangeArrowheads="1"/>
+          </p:cNvPicPr>
+          <p:nvPr>
+            <p:ph idx="1"/>
+          </p:nvPr>
+        </p:nvPicPr>
+        <p:blipFill>
+          <a:blip r:embed="rId2" cstate="print"/>
+          <a:srcRect/>
+          <a:stretch>
+            <a:fillRect/>
+          </a:stretch>
+        </p:blipFill>
+        <p:spPr bwMode="auto">
+          <a:xfrm>
+            <a:off x="755576" y="1916832"/>
+            <a:ext cx="7949579" cy="3523689"/>
+          </a:xfrm>
+          <a:prstGeom prst="rect">
+            <a:avLst/>
+          </a:prstGeom>
+          <a:noFill/>
+          <a:ln w="9525">
+            <a:noFill/>
+            <a:miter lim="800000"/>
+            <a:headEnd/>
+            <a:tailEnd/>
+          </a:ln>
+        </p:spPr>
+      </p:pic>
+    </p:spTree>
+  </p:cSld>
+  <p:clrMapOvr>
+    <a:masterClrMapping/>
+  </p:clrMapOvr>
+</p:sld>
+</file>
+
+<file path=ppt/slides/slide27.xml><?xml version="1.0" encoding="utf-8"?>
+<p:sld xmlns:a="http://schemas.openxmlformats.org/drawingml/2006/main" xmlns:r="http://schemas.openxmlformats.org/officeDocument/2006/relationships" xmlns:p="http://schemas.openxmlformats.org/presentationml/2006/main">
+  <p:cSld>
+    <p:spTree>
+      <p:nvGrpSpPr>
+        <p:cNvPr id="1" name=""/>
+        <p:cNvGrpSpPr/>
+        <p:nvPr/>
+      </p:nvGrpSpPr>
+      <p:grpSpPr>
+        <a:xfrm>
+          <a:off x="0" y="0"/>
+          <a:ext cx="0" cy="0"/>
+          <a:chOff x="0" y="0"/>
+          <a:chExt cx="0" cy="0"/>
+        </a:xfrm>
+      </p:grpSpPr>
+      <p:sp>
+        <p:nvSpPr>
+          <p:cNvPr id="2" name="标题 1"/>
+          <p:cNvSpPr>
+            <a:spLocks noGrp="1"/>
+          </p:cNvSpPr>
+          <p:nvPr>
+            <p:ph type="title"/>
+          </p:nvPr>
+        </p:nvSpPr>
+        <p:spPr/>
+        <p:txBody>
+          <a:bodyPr/>
+          <a:lstStyle/>
+          <a:p>
+            <a:r>
+              <a:rPr lang="zh-CN" altLang="en-US" dirty="0" smtClean="0"/>
+              <a:t>高级话题</a:t>
+            </a:r>
+            <a:endParaRPr lang="zh-CN" altLang="en-US" dirty="0"/>
+          </a:p>
+        </p:txBody>
+      </p:sp>
+      <p:sp>
+        <p:nvSpPr>
+          <p:cNvPr id="3" name="内容占位符 2"/>
+          <p:cNvSpPr>
+            <a:spLocks noGrp="1"/>
+          </p:cNvSpPr>
+          <p:nvPr>
+            <p:ph idx="1"/>
+          </p:nvPr>
+        </p:nvSpPr>
+        <p:spPr/>
+        <p:txBody>
+          <a:bodyPr/>
+          <a:lstStyle/>
+          <a:p>
+            <a:r>
+              <a:rPr lang="zh-CN" altLang="en-US" dirty="0" smtClean="0"/>
+              <a:t>错误处理</a:t>
+            </a:r>
+            <a:endParaRPr lang="en-US" altLang="zh-CN" dirty="0" smtClean="0"/>
+          </a:p>
+          <a:p>
+            <a:r>
+              <a:rPr lang="zh-CN" altLang="en-US" dirty="0" smtClean="0"/>
+              <a:t>使用调用</a:t>
+            </a:r>
+            <a:r>
+              <a:rPr lang="en-US" altLang="zh-CN" dirty="0" smtClean="0"/>
+              <a:t>API</a:t>
+            </a:r>
+            <a:endParaRPr lang="zh-CN" altLang="en-US" dirty="0"/>
+          </a:p>
+        </p:txBody>
+      </p:sp>
+    </p:spTree>
+  </p:cSld>
+  <p:clrMapOvr>
+    <a:masterClrMapping/>
+  </p:clrMapOvr>
+</p:sld>
+</file>
+
+<file path=ppt/slides/slide28.xml><?xml version="1.0" encoding="utf-8"?>
 <p:sld xmlns:a="http://schemas.openxmlformats.org/drawingml/2006/main" xmlns:r="http://schemas.openxmlformats.org/officeDocument/2006/relationships" xmlns:p="http://schemas.openxmlformats.org/presentationml/2006/main">
   <p:cSld>
     <p:spTree>
@@ -6221,7 +6962,7 @@
           </p:nvPr>
         </p:nvPicPr>
         <p:blipFill>
-          <a:blip r:embed="rId2"/>
+          <a:blip r:embed="rId2" cstate="print"/>
           <a:stretch>
             <a:fillRect/>
           </a:stretch>

--- a/JNI技术.pptx
+++ b/JNI技术.pptx
@@ -23,16 +23,17 @@
     <p:sldId id="269" r:id="rId17"/>
     <p:sldId id="270" r:id="rId18"/>
     <p:sldId id="272" r:id="rId19"/>
-    <p:sldId id="273" r:id="rId20"/>
-    <p:sldId id="274" r:id="rId21"/>
-    <p:sldId id="275" r:id="rId22"/>
-    <p:sldId id="276" r:id="rId23"/>
-    <p:sldId id="277" r:id="rId24"/>
-    <p:sldId id="278" r:id="rId25"/>
-    <p:sldId id="279" r:id="rId26"/>
-    <p:sldId id="280" r:id="rId27"/>
-    <p:sldId id="283" r:id="rId28"/>
-    <p:sldId id="262" r:id="rId29"/>
+    <p:sldId id="284" r:id="rId20"/>
+    <p:sldId id="273" r:id="rId21"/>
+    <p:sldId id="274" r:id="rId22"/>
+    <p:sldId id="275" r:id="rId23"/>
+    <p:sldId id="276" r:id="rId24"/>
+    <p:sldId id="277" r:id="rId25"/>
+    <p:sldId id="278" r:id="rId26"/>
+    <p:sldId id="279" r:id="rId27"/>
+    <p:sldId id="280" r:id="rId28"/>
+    <p:sldId id="283" r:id="rId29"/>
+    <p:sldId id="262" r:id="rId30"/>
   </p:sldIdLst>
   <p:sldSz cx="9144000" cy="6858000" type="screen4x3"/>
   <p:notesSz cx="6858000" cy="9144000"/>
@@ -4120,6 +4121,194 @@
           <a:p>
             <a:r>
               <a:rPr lang="zh-CN" altLang="en-US" dirty="0" smtClean="0"/>
+              <a:t>访问域</a:t>
+            </a:r>
+            <a:endParaRPr lang="zh-CN" altLang="en-US" dirty="0"/>
+          </a:p>
+        </p:txBody>
+      </p:sp>
+      <p:sp>
+        <p:nvSpPr>
+          <p:cNvPr id="3" name="内容占位符 2"/>
+          <p:cNvSpPr>
+            <a:spLocks noGrp="1"/>
+          </p:cNvSpPr>
+          <p:nvPr>
+            <p:ph idx="1"/>
+          </p:nvPr>
+        </p:nvSpPr>
+        <p:spPr/>
+        <p:txBody>
+          <a:bodyPr/>
+          <a:lstStyle/>
+          <a:p>
+            <a:endParaRPr lang="zh-CN" altLang="en-US" dirty="0"/>
+          </a:p>
+        </p:txBody>
+      </p:sp>
+    </p:spTree>
+  </p:cSld>
+  <p:clrMapOvr>
+    <a:masterClrMapping/>
+  </p:clrMapOvr>
+</p:sld>
+</file>
+
+<file path=ppt/slides/slide2.xml><?xml version="1.0" encoding="utf-8"?>
+<p:sld xmlns:a="http://schemas.openxmlformats.org/drawingml/2006/main" xmlns:r="http://schemas.openxmlformats.org/officeDocument/2006/relationships" xmlns:p="http://schemas.openxmlformats.org/presentationml/2006/main">
+  <p:cSld>
+    <p:spTree>
+      <p:nvGrpSpPr>
+        <p:cNvPr id="1" name=""/>
+        <p:cNvGrpSpPr/>
+        <p:nvPr/>
+      </p:nvGrpSpPr>
+      <p:grpSpPr>
+        <a:xfrm>
+          <a:off x="0" y="0"/>
+          <a:ext cx="0" cy="0"/>
+          <a:chOff x="0" y="0"/>
+          <a:chExt cx="0" cy="0"/>
+        </a:xfrm>
+      </p:grpSpPr>
+      <p:sp>
+        <p:nvSpPr>
+          <p:cNvPr id="2" name="标题 1"/>
+          <p:cNvSpPr>
+            <a:spLocks noGrp="1"/>
+          </p:cNvSpPr>
+          <p:nvPr>
+            <p:ph type="title"/>
+          </p:nvPr>
+        </p:nvSpPr>
+        <p:spPr/>
+        <p:txBody>
+          <a:bodyPr/>
+          <a:lstStyle/>
+          <a:p>
+            <a:r>
+              <a:rPr lang="zh-CN" altLang="en-US" dirty="0" smtClean="0"/>
+              <a:t>目标</a:t>
+            </a:r>
+            <a:endParaRPr lang="zh-CN" altLang="en-US" dirty="0"/>
+          </a:p>
+        </p:txBody>
+      </p:sp>
+      <p:sp>
+        <p:nvSpPr>
+          <p:cNvPr id="3" name="内容占位符 2"/>
+          <p:cNvSpPr>
+            <a:spLocks noGrp="1"/>
+          </p:cNvSpPr>
+          <p:nvPr>
+            <p:ph idx="1"/>
+          </p:nvPr>
+        </p:nvSpPr>
+        <p:spPr/>
+        <p:txBody>
+          <a:bodyPr/>
+          <a:lstStyle/>
+          <a:p>
+            <a:r>
+              <a:rPr lang="zh-CN" altLang="en-US" dirty="0" smtClean="0"/>
+              <a:t>通过</a:t>
+            </a:r>
+            <a:r>
+              <a:rPr lang="en-US" altLang="zh-CN" dirty="0" smtClean="0"/>
+              <a:t>Java</a:t>
+            </a:r>
+            <a:r>
+              <a:rPr lang="zh-CN" altLang="en-US" dirty="0" smtClean="0"/>
+              <a:t>程序调用</a:t>
+            </a:r>
+            <a:r>
+              <a:rPr lang="en-US" altLang="zh-CN" dirty="0" smtClean="0"/>
+              <a:t>c</a:t>
+            </a:r>
+            <a:r>
+              <a:rPr lang="zh-CN" altLang="en-US" dirty="0" smtClean="0"/>
+              <a:t>语言本地代码来初步了解</a:t>
+            </a:r>
+            <a:r>
+              <a:rPr lang="en-US" altLang="zh-CN" dirty="0" smtClean="0"/>
+              <a:t>JNI</a:t>
+            </a:r>
+            <a:r>
+              <a:rPr lang="zh-CN" altLang="en-US" dirty="0" smtClean="0"/>
+              <a:t>的工作机制</a:t>
+            </a:r>
+            <a:endParaRPr lang="en-US" altLang="zh-CN" dirty="0" smtClean="0"/>
+          </a:p>
+          <a:p>
+            <a:r>
+              <a:rPr lang="zh-CN" altLang="en-US" dirty="0" smtClean="0"/>
+              <a:t>演示</a:t>
+            </a:r>
+            <a:r>
+              <a:rPr lang="en-US" altLang="zh-CN" dirty="0" smtClean="0"/>
+              <a:t>Android</a:t>
+            </a:r>
+            <a:r>
+              <a:rPr lang="zh-CN" altLang="en-US" dirty="0" smtClean="0"/>
+              <a:t>平台如何使用</a:t>
+            </a:r>
+            <a:r>
+              <a:rPr lang="en-US" altLang="zh-CN" dirty="0" smtClean="0"/>
+              <a:t>NDK</a:t>
+            </a:r>
+            <a:endParaRPr lang="zh-CN" altLang="en-US" dirty="0"/>
+          </a:p>
+        </p:txBody>
+      </p:sp>
+    </p:spTree>
+  </p:cSld>
+  <p:clrMapOvr>
+    <a:masterClrMapping/>
+  </p:clrMapOvr>
+  <p:timing>
+    <p:tnLst>
+      <p:par>
+        <p:cTn id="1" dur="indefinite" restart="never" nodeType="tmRoot"/>
+      </p:par>
+    </p:tnLst>
+  </p:timing>
+</p:sld>
+</file>
+
+<file path=ppt/slides/slide20.xml><?xml version="1.0" encoding="utf-8"?>
+<p:sld xmlns:a="http://schemas.openxmlformats.org/drawingml/2006/main" xmlns:r="http://schemas.openxmlformats.org/officeDocument/2006/relationships" xmlns:p="http://schemas.openxmlformats.org/presentationml/2006/main">
+  <p:cSld>
+    <p:spTree>
+      <p:nvGrpSpPr>
+        <p:cNvPr id="1" name=""/>
+        <p:cNvGrpSpPr/>
+        <p:nvPr/>
+      </p:nvGrpSpPr>
+      <p:grpSpPr>
+        <a:xfrm>
+          <a:off x="0" y="0"/>
+          <a:ext cx="0" cy="0"/>
+          <a:chOff x="0" y="0"/>
+          <a:chExt cx="0" cy="0"/>
+        </a:xfrm>
+      </p:grpSpPr>
+      <p:sp>
+        <p:nvSpPr>
+          <p:cNvPr id="2" name="标题 1"/>
+          <p:cNvSpPr>
+            <a:spLocks noGrp="1"/>
+          </p:cNvSpPr>
+          <p:nvPr>
+            <p:ph type="title"/>
+          </p:nvPr>
+        </p:nvSpPr>
+        <p:spPr/>
+        <p:txBody>
+          <a:bodyPr/>
+          <a:lstStyle/>
+          <a:p>
+            <a:r>
+              <a:rPr lang="zh-CN" altLang="en-US" dirty="0" smtClean="0"/>
               <a:t>编码签名</a:t>
             </a:r>
             <a:endParaRPr lang="zh-CN" altLang="en-US" dirty="0"/>
@@ -4169,128 +4358,7 @@
 </p:sld>
 </file>
 
-<file path=ppt/slides/slide2.xml><?xml version="1.0" encoding="utf-8"?>
-<p:sld xmlns:a="http://schemas.openxmlformats.org/drawingml/2006/main" xmlns:r="http://schemas.openxmlformats.org/officeDocument/2006/relationships" xmlns:p="http://schemas.openxmlformats.org/presentationml/2006/main">
-  <p:cSld>
-    <p:spTree>
-      <p:nvGrpSpPr>
-        <p:cNvPr id="1" name=""/>
-        <p:cNvGrpSpPr/>
-        <p:nvPr/>
-      </p:nvGrpSpPr>
-      <p:grpSpPr>
-        <a:xfrm>
-          <a:off x="0" y="0"/>
-          <a:ext cx="0" cy="0"/>
-          <a:chOff x="0" y="0"/>
-          <a:chExt cx="0" cy="0"/>
-        </a:xfrm>
-      </p:grpSpPr>
-      <p:sp>
-        <p:nvSpPr>
-          <p:cNvPr id="2" name="标题 1"/>
-          <p:cNvSpPr>
-            <a:spLocks noGrp="1"/>
-          </p:cNvSpPr>
-          <p:nvPr>
-            <p:ph type="title"/>
-          </p:nvPr>
-        </p:nvSpPr>
-        <p:spPr/>
-        <p:txBody>
-          <a:bodyPr/>
-          <a:lstStyle/>
-          <a:p>
-            <a:r>
-              <a:rPr lang="zh-CN" altLang="en-US" dirty="0" smtClean="0"/>
-              <a:t>目标</a:t>
-            </a:r>
-            <a:endParaRPr lang="zh-CN" altLang="en-US" dirty="0"/>
-          </a:p>
-        </p:txBody>
-      </p:sp>
-      <p:sp>
-        <p:nvSpPr>
-          <p:cNvPr id="3" name="内容占位符 2"/>
-          <p:cNvSpPr>
-            <a:spLocks noGrp="1"/>
-          </p:cNvSpPr>
-          <p:nvPr>
-            <p:ph idx="1"/>
-          </p:nvPr>
-        </p:nvSpPr>
-        <p:spPr/>
-        <p:txBody>
-          <a:bodyPr/>
-          <a:lstStyle/>
-          <a:p>
-            <a:r>
-              <a:rPr lang="zh-CN" altLang="en-US" dirty="0" smtClean="0"/>
-              <a:t>通过</a:t>
-            </a:r>
-            <a:r>
-              <a:rPr lang="en-US" altLang="zh-CN" dirty="0" smtClean="0"/>
-              <a:t>Java</a:t>
-            </a:r>
-            <a:r>
-              <a:rPr lang="zh-CN" altLang="en-US" dirty="0" smtClean="0"/>
-              <a:t>程序调用</a:t>
-            </a:r>
-            <a:r>
-              <a:rPr lang="en-US" altLang="zh-CN" dirty="0" smtClean="0"/>
-              <a:t>c</a:t>
-            </a:r>
-            <a:r>
-              <a:rPr lang="zh-CN" altLang="en-US" dirty="0" smtClean="0"/>
-              <a:t>语言本地代码来初步了解</a:t>
-            </a:r>
-            <a:r>
-              <a:rPr lang="en-US" altLang="zh-CN" dirty="0" smtClean="0"/>
-              <a:t>JNI</a:t>
-            </a:r>
-            <a:r>
-              <a:rPr lang="zh-CN" altLang="en-US" dirty="0" smtClean="0"/>
-              <a:t>的工作机制</a:t>
-            </a:r>
-            <a:endParaRPr lang="en-US" altLang="zh-CN" dirty="0" smtClean="0"/>
-          </a:p>
-          <a:p>
-            <a:r>
-              <a:rPr lang="zh-CN" altLang="en-US" dirty="0" smtClean="0"/>
-              <a:t>演示</a:t>
-            </a:r>
-            <a:r>
-              <a:rPr lang="en-US" altLang="zh-CN" dirty="0" smtClean="0"/>
-              <a:t>Android</a:t>
-            </a:r>
-            <a:r>
-              <a:rPr lang="zh-CN" altLang="en-US" dirty="0" smtClean="0"/>
-              <a:t>平台如何使用</a:t>
-            </a:r>
-            <a:r>
-              <a:rPr lang="en-US" altLang="zh-CN" dirty="0" smtClean="0"/>
-              <a:t>NDK</a:t>
-            </a:r>
-            <a:endParaRPr lang="zh-CN" altLang="en-US" dirty="0"/>
-          </a:p>
-        </p:txBody>
-      </p:sp>
-    </p:spTree>
-  </p:cSld>
-  <p:clrMapOvr>
-    <a:masterClrMapping/>
-  </p:clrMapOvr>
-  <p:timing>
-    <p:tnLst>
-      <p:par>
-        <p:cTn id="1" dur="indefinite" restart="never" nodeType="tmRoot"/>
-      </p:par>
-    </p:tnLst>
-  </p:timing>
-</p:sld>
-</file>
-
-<file path=ppt/slides/slide20.xml><?xml version="1.0" encoding="utf-8"?>
+<file path=ppt/slides/slide21.xml><?xml version="1.0" encoding="utf-8"?>
 <p:sld xmlns:a="http://schemas.openxmlformats.org/drawingml/2006/main" xmlns:r="http://schemas.openxmlformats.org/officeDocument/2006/relationships" xmlns:p="http://schemas.openxmlformats.org/presentationml/2006/main">
   <p:cSld>
     <p:spTree>
@@ -4403,7 +4471,7 @@
 </p:sld>
 </file>
 
-<file path=ppt/slides/slide21.xml><?xml version="1.0" encoding="utf-8"?>
+<file path=ppt/slides/slide22.xml><?xml version="1.0" encoding="utf-8"?>
 <p:sld xmlns:a="http://schemas.openxmlformats.org/drawingml/2006/main" xmlns:r="http://schemas.openxmlformats.org/officeDocument/2006/relationships" xmlns:p="http://schemas.openxmlformats.org/presentationml/2006/main">
   <p:cSld>
     <p:spTree>
@@ -4516,7 +4584,7 @@
 </p:sld>
 </file>
 
-<file path=ppt/slides/slide22.xml><?xml version="1.0" encoding="utf-8"?>
+<file path=ppt/slides/slide23.xml><?xml version="1.0" encoding="utf-8"?>
 <p:sld xmlns:a="http://schemas.openxmlformats.org/drawingml/2006/main" xmlns:r="http://schemas.openxmlformats.org/officeDocument/2006/relationships" xmlns:p="http://schemas.openxmlformats.org/presentationml/2006/main">
   <p:cSld>
     <p:spTree>
@@ -4641,96 +4709,6 @@
 </p:sld>
 </file>
 
-<file path=ppt/slides/slide23.xml><?xml version="1.0" encoding="utf-8"?>
-<p:sld xmlns:a="http://schemas.openxmlformats.org/drawingml/2006/main" xmlns:r="http://schemas.openxmlformats.org/officeDocument/2006/relationships" xmlns:p="http://schemas.openxmlformats.org/presentationml/2006/main">
-  <p:cSld>
-    <p:spTree>
-      <p:nvGrpSpPr>
-        <p:cNvPr id="1" name=""/>
-        <p:cNvGrpSpPr/>
-        <p:nvPr/>
-      </p:nvGrpSpPr>
-      <p:grpSpPr>
-        <a:xfrm>
-          <a:off x="0" y="0"/>
-          <a:ext cx="0" cy="0"/>
-          <a:chOff x="0" y="0"/>
-          <a:chExt cx="0" cy="0"/>
-        </a:xfrm>
-      </p:grpSpPr>
-      <p:sp>
-        <p:nvSpPr>
-          <p:cNvPr id="2" name="标题 1"/>
-          <p:cNvSpPr>
-            <a:spLocks noGrp="1"/>
-          </p:cNvSpPr>
-          <p:nvPr>
-            <p:ph type="title"/>
-          </p:nvPr>
-        </p:nvSpPr>
-        <p:spPr/>
-        <p:txBody>
-          <a:bodyPr/>
-          <a:lstStyle/>
-          <a:p>
-            <a:r>
-              <a:rPr lang="zh-CN" altLang="en-US" dirty="0" smtClean="0"/>
-              <a:t>调用</a:t>
-            </a:r>
-            <a:r>
-              <a:rPr lang="en-US" altLang="zh-CN" dirty="0" smtClean="0"/>
-              <a:t>Java</a:t>
-            </a:r>
-            <a:r>
-              <a:rPr lang="zh-CN" altLang="en-US" dirty="0" smtClean="0"/>
-              <a:t>方法</a:t>
-            </a:r>
-            <a:endParaRPr lang="zh-CN" altLang="en-US" dirty="0"/>
-          </a:p>
-        </p:txBody>
-      </p:sp>
-      <p:pic>
-        <p:nvPicPr>
-          <p:cNvPr id="1026" name="Picture 2"/>
-          <p:cNvPicPr>
-            <a:picLocks noGrp="1" noChangeAspect="1" noChangeArrowheads="1"/>
-          </p:cNvPicPr>
-          <p:nvPr>
-            <p:ph idx="1"/>
-          </p:nvPr>
-        </p:nvPicPr>
-        <p:blipFill>
-          <a:blip r:embed="rId2" cstate="print"/>
-          <a:srcRect/>
-          <a:stretch>
-            <a:fillRect/>
-          </a:stretch>
-        </p:blipFill>
-        <p:spPr bwMode="auto">
-          <a:xfrm>
-            <a:off x="1403648" y="1916832"/>
-            <a:ext cx="6311600" cy="3773239"/>
-          </a:xfrm>
-          <a:prstGeom prst="rect">
-            <a:avLst/>
-          </a:prstGeom>
-          <a:noFill/>
-          <a:ln w="9525">
-            <a:noFill/>
-            <a:miter lim="800000"/>
-            <a:headEnd/>
-            <a:tailEnd/>
-          </a:ln>
-        </p:spPr>
-      </p:pic>
-    </p:spTree>
-  </p:cSld>
-  <p:clrMapOvr>
-    <a:masterClrMapping/>
-  </p:clrMapOvr>
-</p:sld>
-</file>
-
 <file path=ppt/slides/slide24.xml><?xml version="1.0" encoding="utf-8"?>
 <p:sld xmlns:a="http://schemas.openxmlformats.org/drawingml/2006/main" xmlns:r="http://schemas.openxmlformats.org/officeDocument/2006/relationships" xmlns:p="http://schemas.openxmlformats.org/presentationml/2006/main">
   <p:cSld>
@@ -4781,7 +4759,7 @@
       </p:sp>
       <p:pic>
         <p:nvPicPr>
-          <p:cNvPr id="2050" name="Picture 2"/>
+          <p:cNvPr id="1026" name="Picture 2"/>
           <p:cNvPicPr>
             <a:picLocks noGrp="1" noChangeAspect="1" noChangeArrowheads="1"/>
           </p:cNvPicPr>
@@ -4798,8 +4776,8 @@
         </p:blipFill>
         <p:spPr bwMode="auto">
           <a:xfrm>
-            <a:off x="1403648" y="2060848"/>
-            <a:ext cx="6482765" cy="2964383"/>
+            <a:off x="1403648" y="1916832"/>
+            <a:ext cx="6311600" cy="3773239"/>
           </a:xfrm>
           <a:prstGeom prst="rect">
             <a:avLst/>
@@ -4855,7 +4833,15 @@
           <a:p>
             <a:r>
               <a:rPr lang="zh-CN" altLang="en-US" dirty="0" smtClean="0"/>
-              <a:t>访问数组元素</a:t>
+              <a:t>调用</a:t>
+            </a:r>
+            <a:r>
+              <a:rPr lang="en-US" altLang="zh-CN" dirty="0" smtClean="0"/>
+              <a:t>Java</a:t>
+            </a:r>
+            <a:r>
+              <a:rPr lang="zh-CN" altLang="en-US" dirty="0" smtClean="0"/>
+              <a:t>方法</a:t>
             </a:r>
             <a:endParaRPr lang="zh-CN" altLang="en-US" dirty="0"/>
           </a:p>
@@ -4863,7 +4849,7 @@
       </p:sp>
       <p:pic>
         <p:nvPicPr>
-          <p:cNvPr id="3074" name="Picture 2"/>
+          <p:cNvPr id="2050" name="Picture 2"/>
           <p:cNvPicPr>
             <a:picLocks noGrp="1" noChangeAspect="1" noChangeArrowheads="1"/>
           </p:cNvPicPr>
@@ -4880,8 +4866,8 @@
         </p:blipFill>
         <p:spPr bwMode="auto">
           <a:xfrm>
-            <a:off x="1331640" y="1700808"/>
-            <a:ext cx="7200527" cy="3548831"/>
+            <a:off x="1403648" y="2060848"/>
+            <a:ext cx="6482765" cy="2964383"/>
           </a:xfrm>
           <a:prstGeom prst="rect">
             <a:avLst/>
@@ -4945,7 +4931,7 @@
       </p:sp>
       <p:pic>
         <p:nvPicPr>
-          <p:cNvPr id="4098" name="Picture 2"/>
+          <p:cNvPr id="3074" name="Picture 2"/>
           <p:cNvPicPr>
             <a:picLocks noGrp="1" noChangeAspect="1" noChangeArrowheads="1"/>
           </p:cNvPicPr>
@@ -4962,8 +4948,8 @@
         </p:blipFill>
         <p:spPr bwMode="auto">
           <a:xfrm>
-            <a:off x="755576" y="1916832"/>
-            <a:ext cx="7949579" cy="3523689"/>
+            <a:off x="1331640" y="1700808"/>
+            <a:ext cx="7200527" cy="3548831"/>
           </a:xfrm>
           <a:prstGeom prst="rect">
             <a:avLst/>
@@ -5019,46 +5005,46 @@
           <a:p>
             <a:r>
               <a:rPr lang="zh-CN" altLang="en-US" dirty="0" smtClean="0"/>
-              <a:t>高级话题</a:t>
+              <a:t>访问数组元素</a:t>
             </a:r>
             <a:endParaRPr lang="zh-CN" altLang="en-US" dirty="0"/>
           </a:p>
         </p:txBody>
       </p:sp>
-      <p:sp>
-        <p:nvSpPr>
-          <p:cNvPr id="3" name="内容占位符 2"/>
-          <p:cNvSpPr>
-            <a:spLocks noGrp="1"/>
-          </p:cNvSpPr>
+      <p:pic>
+        <p:nvPicPr>
+          <p:cNvPr id="4098" name="Picture 2"/>
+          <p:cNvPicPr>
+            <a:picLocks noGrp="1" noChangeAspect="1" noChangeArrowheads="1"/>
+          </p:cNvPicPr>
           <p:nvPr>
             <p:ph idx="1"/>
           </p:nvPr>
-        </p:nvSpPr>
-        <p:spPr/>
-        <p:txBody>
-          <a:bodyPr/>
-          <a:lstStyle/>
-          <a:p>
-            <a:r>
-              <a:rPr lang="zh-CN" altLang="en-US" dirty="0" smtClean="0"/>
-              <a:t>错误处理</a:t>
-            </a:r>
-            <a:endParaRPr lang="en-US" altLang="zh-CN" dirty="0" smtClean="0"/>
-          </a:p>
-          <a:p>
-            <a:r>
-              <a:rPr lang="zh-CN" altLang="en-US" dirty="0" smtClean="0"/>
-              <a:t>使用调用</a:t>
-            </a:r>
-            <a:r>
-              <a:rPr lang="en-US" altLang="zh-CN" dirty="0" smtClean="0"/>
-              <a:t>API</a:t>
-            </a:r>
-            <a:endParaRPr lang="zh-CN" altLang="en-US" dirty="0"/>
-          </a:p>
-        </p:txBody>
-      </p:sp>
+        </p:nvPicPr>
+        <p:blipFill>
+          <a:blip r:embed="rId2" cstate="print"/>
+          <a:srcRect/>
+          <a:stretch>
+            <a:fillRect/>
+          </a:stretch>
+        </p:blipFill>
+        <p:spPr bwMode="auto">
+          <a:xfrm>
+            <a:off x="755576" y="1916832"/>
+            <a:ext cx="7949579" cy="3523689"/>
+          </a:xfrm>
+          <a:prstGeom prst="rect">
+            <a:avLst/>
+          </a:prstGeom>
+          <a:noFill/>
+          <a:ln w="9525">
+            <a:noFill/>
+            <a:miter lim="800000"/>
+            <a:headEnd/>
+            <a:tailEnd/>
+          </a:ln>
+        </p:spPr>
+      </p:pic>
     </p:spTree>
   </p:cSld>
   <p:clrMapOvr>
@@ -5068,6 +5054,88 @@
 </file>
 
 <file path=ppt/slides/slide28.xml><?xml version="1.0" encoding="utf-8"?>
+<p:sld xmlns:a="http://schemas.openxmlformats.org/drawingml/2006/main" xmlns:r="http://schemas.openxmlformats.org/officeDocument/2006/relationships" xmlns:p="http://schemas.openxmlformats.org/presentationml/2006/main">
+  <p:cSld>
+    <p:spTree>
+      <p:nvGrpSpPr>
+        <p:cNvPr id="1" name=""/>
+        <p:cNvGrpSpPr/>
+        <p:nvPr/>
+      </p:nvGrpSpPr>
+      <p:grpSpPr>
+        <a:xfrm>
+          <a:off x="0" y="0"/>
+          <a:ext cx="0" cy="0"/>
+          <a:chOff x="0" y="0"/>
+          <a:chExt cx="0" cy="0"/>
+        </a:xfrm>
+      </p:grpSpPr>
+      <p:sp>
+        <p:nvSpPr>
+          <p:cNvPr id="2" name="标题 1"/>
+          <p:cNvSpPr>
+            <a:spLocks noGrp="1"/>
+          </p:cNvSpPr>
+          <p:nvPr>
+            <p:ph type="title"/>
+          </p:nvPr>
+        </p:nvSpPr>
+        <p:spPr/>
+        <p:txBody>
+          <a:bodyPr/>
+          <a:lstStyle/>
+          <a:p>
+            <a:r>
+              <a:rPr lang="zh-CN" altLang="en-US" dirty="0" smtClean="0"/>
+              <a:t>高级话题</a:t>
+            </a:r>
+            <a:endParaRPr lang="zh-CN" altLang="en-US" dirty="0"/>
+          </a:p>
+        </p:txBody>
+      </p:sp>
+      <p:sp>
+        <p:nvSpPr>
+          <p:cNvPr id="3" name="内容占位符 2"/>
+          <p:cNvSpPr>
+            <a:spLocks noGrp="1"/>
+          </p:cNvSpPr>
+          <p:nvPr>
+            <p:ph idx="1"/>
+          </p:nvPr>
+        </p:nvSpPr>
+        <p:spPr/>
+        <p:txBody>
+          <a:bodyPr/>
+          <a:lstStyle/>
+          <a:p>
+            <a:r>
+              <a:rPr lang="zh-CN" altLang="en-US" dirty="0" smtClean="0"/>
+              <a:t>错误处理</a:t>
+            </a:r>
+            <a:endParaRPr lang="en-US" altLang="zh-CN" dirty="0" smtClean="0"/>
+          </a:p>
+          <a:p>
+            <a:r>
+              <a:rPr lang="zh-CN" altLang="en-US" dirty="0" smtClean="0"/>
+              <a:t>使用调用</a:t>
+            </a:r>
+            <a:r>
+              <a:rPr lang="en-US" altLang="zh-CN" dirty="0" smtClean="0"/>
+              <a:t>API</a:t>
+            </a:r>
+            <a:endParaRPr lang="zh-CN" altLang="en-US" dirty="0"/>
+          </a:p>
+        </p:txBody>
+      </p:sp>
+    </p:spTree>
+  </p:cSld>
+  <p:clrMapOvr>
+    <a:masterClrMapping/>
+  </p:clrMapOvr>
+</p:sld>
+</file>
+
+<file path=ppt/slides/slide29.xml><?xml version="1.0" encoding="utf-8"?>
 <p:sld xmlns:a="http://schemas.openxmlformats.org/drawingml/2006/main" xmlns:r="http://schemas.openxmlformats.org/officeDocument/2006/relationships" xmlns:p="http://schemas.openxmlformats.org/presentationml/2006/main">
   <p:cSld>
     <p:spTree>
